--- a/Python-DIgSILENT PowerFactory Integration.pptx
+++ b/Python-DIgSILENT PowerFactory Integration.pptx
@@ -5,7 +5,7 @@
     <p:sldMasterId id="2147483648" r:id="rId1"/>
   </p:sldMasterIdLst>
   <p:notesMasterIdLst>
-    <p:notesMasterId r:id="rId45"/>
+    <p:notesMasterId r:id="rId47"/>
   </p:notesMasterIdLst>
   <p:sldIdLst>
     <p:sldId id="256" r:id="rId2"/>
@@ -35,22 +35,24 @@
     <p:sldId id="429" r:id="rId26"/>
     <p:sldId id="430" r:id="rId27"/>
     <p:sldId id="431" r:id="rId28"/>
-    <p:sldId id="432" r:id="rId29"/>
-    <p:sldId id="433" r:id="rId30"/>
-    <p:sldId id="434" r:id="rId31"/>
-    <p:sldId id="435" r:id="rId32"/>
-    <p:sldId id="436" r:id="rId33"/>
-    <p:sldId id="437" r:id="rId34"/>
-    <p:sldId id="438" r:id="rId35"/>
-    <p:sldId id="439" r:id="rId36"/>
-    <p:sldId id="440" r:id="rId37"/>
-    <p:sldId id="441" r:id="rId38"/>
-    <p:sldId id="442" r:id="rId39"/>
-    <p:sldId id="443" r:id="rId40"/>
-    <p:sldId id="444" r:id="rId41"/>
-    <p:sldId id="445" r:id="rId42"/>
-    <p:sldId id="446" r:id="rId43"/>
-    <p:sldId id="447" r:id="rId44"/>
+    <p:sldId id="448" r:id="rId29"/>
+    <p:sldId id="449" r:id="rId30"/>
+    <p:sldId id="432" r:id="rId31"/>
+    <p:sldId id="433" r:id="rId32"/>
+    <p:sldId id="434" r:id="rId33"/>
+    <p:sldId id="435" r:id="rId34"/>
+    <p:sldId id="436" r:id="rId35"/>
+    <p:sldId id="437" r:id="rId36"/>
+    <p:sldId id="438" r:id="rId37"/>
+    <p:sldId id="439" r:id="rId38"/>
+    <p:sldId id="440" r:id="rId39"/>
+    <p:sldId id="441" r:id="rId40"/>
+    <p:sldId id="442" r:id="rId41"/>
+    <p:sldId id="443" r:id="rId42"/>
+    <p:sldId id="444" r:id="rId43"/>
+    <p:sldId id="445" r:id="rId44"/>
+    <p:sldId id="446" r:id="rId45"/>
+    <p:sldId id="447" r:id="rId46"/>
   </p:sldIdLst>
   <p:sldSz cx="12192000" cy="6858000"/>
   <p:notesSz cx="6858000" cy="9144000"/>
@@ -197,6 +199,8 @@
             <p14:sldId id="429"/>
             <p14:sldId id="430"/>
             <p14:sldId id="431"/>
+            <p14:sldId id="448"/>
+            <p14:sldId id="449"/>
           </p14:sldIdLst>
         </p14:section>
         <p14:section name="Tutorial_Python Chapter 1" id="{421284EE-6CEC-47CF-96F8-E045BD3AFFAF}">
@@ -260,7 +264,7 @@
 <file path=ppt/revisionInfo.xml><?xml version="1.0" encoding="utf-8"?>
 <p1510:revInfo xmlns:a="http://schemas.openxmlformats.org/drawingml/2006/main" xmlns:r="http://schemas.openxmlformats.org/officeDocument/2006/relationships" xmlns:p1510="http://schemas.microsoft.com/office/powerpoint/2015/10/main">
   <p1510:revLst>
-    <p1510:client id="{1E20974F-427B-4E10-9C93-63A26FDBCC4E}" v="102" dt="2024-11-28T11:44:49.447"/>
+    <p1510:client id="{1E20974F-427B-4E10-9C93-63A26FDBCC4E}" v="103" dt="2024-11-30T07:38:23.149"/>
   </p1510:revLst>
 </p1510:revInfo>
 </file>
@@ -2529,7 +2533,7 @@
   <pc:docChgLst>
     <pc:chgData name="firazsidqi" userId="51388aab-6cd2-4dcf-9d6c-f13fe48edf7a" providerId="ADAL" clId="{1E20974F-427B-4E10-9C93-63A26FDBCC4E}"/>
     <pc:docChg chg="undo redo custSel addSld delSld modSld sldOrd addSection delSection modSection">
-      <pc:chgData name="firazsidqi" userId="51388aab-6cd2-4dcf-9d6c-f13fe48edf7a" providerId="ADAL" clId="{1E20974F-427B-4E10-9C93-63A26FDBCC4E}" dt="2024-11-28T11:49:05.553" v="12991" actId="20577"/>
+      <pc:chgData name="firazsidqi" userId="51388aab-6cd2-4dcf-9d6c-f13fe48edf7a" providerId="ADAL" clId="{1E20974F-427B-4E10-9C93-63A26FDBCC4E}" dt="2024-11-30T07:41:25.631" v="14027" actId="1076"/>
       <pc:docMkLst>
         <pc:docMk/>
       </pc:docMkLst>
@@ -4536,12 +4540,114 @@
           </ac:spMkLst>
         </pc:spChg>
       </pc:sldChg>
+      <pc:sldChg chg="addSp delSp modSp new mod">
+        <pc:chgData name="firazsidqi" userId="51388aab-6cd2-4dcf-9d6c-f13fe48edf7a" providerId="ADAL" clId="{1E20974F-427B-4E10-9C93-63A26FDBCC4E}" dt="2024-11-30T07:37:45.238" v="13635" actId="20577"/>
+        <pc:sldMkLst>
+          <pc:docMk/>
+          <pc:sldMk cId="2134824123" sldId="448"/>
+        </pc:sldMkLst>
+        <pc:spChg chg="mod">
+          <ac:chgData name="firazsidqi" userId="51388aab-6cd2-4dcf-9d6c-f13fe48edf7a" providerId="ADAL" clId="{1E20974F-427B-4E10-9C93-63A26FDBCC4E}" dt="2024-11-30T07:31:30.506" v="13031" actId="20577"/>
+          <ac:spMkLst>
+            <pc:docMk/>
+            <pc:sldMk cId="2134824123" sldId="448"/>
+            <ac:spMk id="2" creationId="{A9DF4FE9-4F05-EDED-0056-78E4855899DF}"/>
+          </ac:spMkLst>
+        </pc:spChg>
+        <pc:spChg chg="mod">
+          <ac:chgData name="firazsidqi" userId="51388aab-6cd2-4dcf-9d6c-f13fe48edf7a" providerId="ADAL" clId="{1E20974F-427B-4E10-9C93-63A26FDBCC4E}" dt="2024-11-30T07:37:45.238" v="13635" actId="20577"/>
+          <ac:spMkLst>
+            <pc:docMk/>
+            <pc:sldMk cId="2134824123" sldId="448"/>
+            <ac:spMk id="3" creationId="{569ED8B0-6997-20DE-271F-C9BA28583CFB}"/>
+          </ac:spMkLst>
+        </pc:spChg>
+        <pc:picChg chg="add del mod">
+          <ac:chgData name="firazsidqi" userId="51388aab-6cd2-4dcf-9d6c-f13fe48edf7a" providerId="ADAL" clId="{1E20974F-427B-4E10-9C93-63A26FDBCC4E}" dt="2024-11-30T07:33:25.781" v="13168" actId="478"/>
+          <ac:picMkLst>
+            <pc:docMk/>
+            <pc:sldMk cId="2134824123" sldId="448"/>
+            <ac:picMk id="6" creationId="{E610BA02-1A69-624A-816B-20BAEB5CC276}"/>
+          </ac:picMkLst>
+        </pc:picChg>
+        <pc:picChg chg="add mod">
+          <ac:chgData name="firazsidqi" userId="51388aab-6cd2-4dcf-9d6c-f13fe48edf7a" providerId="ADAL" clId="{1E20974F-427B-4E10-9C93-63A26FDBCC4E}" dt="2024-11-30T07:37:28.827" v="13571" actId="1076"/>
+          <ac:picMkLst>
+            <pc:docMk/>
+            <pc:sldMk cId="2134824123" sldId="448"/>
+            <ac:picMk id="8" creationId="{F609114F-5D1E-98D0-B164-3DF9958948D4}"/>
+          </ac:picMkLst>
+        </pc:picChg>
+      </pc:sldChg>
       <pc:sldChg chg="del">
         <pc:chgData name="firazsidqi" userId="51388aab-6cd2-4dcf-9d6c-f13fe48edf7a" providerId="ADAL" clId="{1E20974F-427B-4E10-9C93-63A26FDBCC4E}" dt="2024-11-28T05:51:18.646" v="92" actId="47"/>
         <pc:sldMkLst>
           <pc:docMk/>
           <pc:sldMk cId="2806795572" sldId="448"/>
         </pc:sldMkLst>
+      </pc:sldChg>
+      <pc:sldChg chg="addSp delSp modSp add mod">
+        <pc:chgData name="firazsidqi" userId="51388aab-6cd2-4dcf-9d6c-f13fe48edf7a" providerId="ADAL" clId="{1E20974F-427B-4E10-9C93-63A26FDBCC4E}" dt="2024-11-30T07:41:25.631" v="14027" actId="1076"/>
+        <pc:sldMkLst>
+          <pc:docMk/>
+          <pc:sldMk cId="2813990817" sldId="449"/>
+        </pc:sldMkLst>
+        <pc:spChg chg="mod">
+          <ac:chgData name="firazsidqi" userId="51388aab-6cd2-4dcf-9d6c-f13fe48edf7a" providerId="ADAL" clId="{1E20974F-427B-4E10-9C93-63A26FDBCC4E}" dt="2024-11-30T07:41:03.864" v="14025" actId="20577"/>
+          <ac:spMkLst>
+            <pc:docMk/>
+            <pc:sldMk cId="2813990817" sldId="449"/>
+            <ac:spMk id="3" creationId="{2BE1414A-BD30-EA3A-9783-7CD6617A08F3}"/>
+          </ac:spMkLst>
+        </pc:spChg>
+        <pc:spChg chg="add mod">
+          <ac:chgData name="firazsidqi" userId="51388aab-6cd2-4dcf-9d6c-f13fe48edf7a" providerId="ADAL" clId="{1E20974F-427B-4E10-9C93-63A26FDBCC4E}" dt="2024-11-30T07:38:31.266" v="13659" actId="14100"/>
+          <ac:spMkLst>
+            <pc:docMk/>
+            <pc:sldMk cId="2813990817" sldId="449"/>
+            <ac:spMk id="10" creationId="{513BED97-0E7C-F0A2-31E9-BF0F746178BB}"/>
+          </ac:spMkLst>
+        </pc:spChg>
+        <pc:picChg chg="add del">
+          <ac:chgData name="firazsidqi" userId="51388aab-6cd2-4dcf-9d6c-f13fe48edf7a" providerId="ADAL" clId="{1E20974F-427B-4E10-9C93-63A26FDBCC4E}" dt="2024-11-30T07:37:51.126" v="13637" actId="22"/>
+          <ac:picMkLst>
+            <pc:docMk/>
+            <pc:sldMk cId="2813990817" sldId="449"/>
+            <ac:picMk id="6" creationId="{66D22C36-68BB-17E6-52EB-9D664A27B6D2}"/>
+          </ac:picMkLst>
+        </pc:picChg>
+        <pc:picChg chg="del">
+          <ac:chgData name="firazsidqi" userId="51388aab-6cd2-4dcf-9d6c-f13fe48edf7a" providerId="ADAL" clId="{1E20974F-427B-4E10-9C93-63A26FDBCC4E}" dt="2024-11-30T07:35:50.426" v="13347" actId="478"/>
+          <ac:picMkLst>
+            <pc:docMk/>
+            <pc:sldMk cId="2813990817" sldId="449"/>
+            <ac:picMk id="8" creationId="{421B7460-72AC-3DD1-C887-82C9BD093BDC}"/>
+          </ac:picMkLst>
+        </pc:picChg>
+        <pc:picChg chg="add">
+          <ac:chgData name="firazsidqi" userId="51388aab-6cd2-4dcf-9d6c-f13fe48edf7a" providerId="ADAL" clId="{1E20974F-427B-4E10-9C93-63A26FDBCC4E}" dt="2024-11-30T07:38:10.236" v="13655" actId="22"/>
+          <ac:picMkLst>
+            <pc:docMk/>
+            <pc:sldMk cId="2813990817" sldId="449"/>
+            <ac:picMk id="9" creationId="{4472A555-F942-D40F-E6EC-C75138BEE7B3}"/>
+          </ac:picMkLst>
+        </pc:picChg>
+        <pc:picChg chg="add mod">
+          <ac:chgData name="firazsidqi" userId="51388aab-6cd2-4dcf-9d6c-f13fe48edf7a" providerId="ADAL" clId="{1E20974F-427B-4E10-9C93-63A26FDBCC4E}" dt="2024-11-30T07:41:25.631" v="14027" actId="1076"/>
+          <ac:picMkLst>
+            <pc:docMk/>
+            <pc:sldMk cId="2813990817" sldId="449"/>
+            <ac:picMk id="14" creationId="{E83D52C9-1E17-9E98-20B0-CEAC0803D432}"/>
+          </ac:picMkLst>
+        </pc:picChg>
+        <pc:cxnChg chg="add mod">
+          <ac:chgData name="firazsidqi" userId="51388aab-6cd2-4dcf-9d6c-f13fe48edf7a" providerId="ADAL" clId="{1E20974F-427B-4E10-9C93-63A26FDBCC4E}" dt="2024-11-30T07:38:53.571" v="13664" actId="1076"/>
+          <ac:cxnSpMkLst>
+            <pc:docMk/>
+            <pc:sldMk cId="2813990817" sldId="449"/>
+            <ac:cxnSpMk id="12" creationId="{8C3C1F2B-4587-B46B-6441-CA39BE233CAA}"/>
+          </ac:cxnSpMkLst>
+        </pc:cxnChg>
       </pc:sldChg>
       <pc:sldChg chg="del">
         <pc:chgData name="firazsidqi" userId="51388aab-6cd2-4dcf-9d6c-f13fe48edf7a" providerId="ADAL" clId="{1E20974F-427B-4E10-9C93-63A26FDBCC4E}" dt="2024-11-28T05:51:18.646" v="92" actId="47"/>
@@ -17095,7 +17201,7 @@
           <a:p>
             <a:fld id="{13EFA97A-AC6F-4A1D-8CED-A9D4D457207B}" type="datetimeFigureOut">
               <a:rPr lang="en-GB" smtClean="0"/>
-              <a:t>28/11/2024</a:t>
+              <a:t>30/11/2024</a:t>
             </a:fld>
             <a:endParaRPr lang="en-GB"/>
           </a:p>
@@ -17680,7 +17786,7 @@
           <a:p>
             <a:fld id="{8ADD148E-0195-4213-BDB7-A813FE9AEFF1}" type="datetime1">
               <a:rPr lang="en-GB" smtClean="0"/>
-              <a:t>28/11/2024</a:t>
+              <a:t>30/11/2024</a:t>
             </a:fld>
             <a:endParaRPr lang="en-GB"/>
           </a:p>
@@ -17880,7 +17986,7 @@
           <a:p>
             <a:fld id="{A1932E5F-2298-4AEB-8AFF-332E84690DB8}" type="datetime1">
               <a:rPr lang="en-GB" smtClean="0"/>
-              <a:t>28/11/2024</a:t>
+              <a:t>30/11/2024</a:t>
             </a:fld>
             <a:endParaRPr lang="en-GB"/>
           </a:p>
@@ -18090,7 +18196,7 @@
           <a:p>
             <a:fld id="{2403DB0F-697A-47B0-BCD4-C45A03B452E3}" type="datetime1">
               <a:rPr lang="en-GB" smtClean="0"/>
-              <a:t>28/11/2024</a:t>
+              <a:t>30/11/2024</a:t>
             </a:fld>
             <a:endParaRPr lang="en-GB"/>
           </a:p>
@@ -18290,7 +18396,7 @@
           <a:p>
             <a:fld id="{2CC34581-5F2A-4BB8-B102-DEA3354FC168}" type="datetime1">
               <a:rPr lang="en-GB" smtClean="0"/>
-              <a:t>28/11/2024</a:t>
+              <a:t>30/11/2024</a:t>
             </a:fld>
             <a:endParaRPr lang="en-GB"/>
           </a:p>
@@ -18566,7 +18672,7 @@
           <a:p>
             <a:fld id="{214AAAF1-6BE3-4C68-9600-4908EF4523D8}" type="datetime1">
               <a:rPr lang="en-GB" smtClean="0"/>
-              <a:t>28/11/2024</a:t>
+              <a:t>30/11/2024</a:t>
             </a:fld>
             <a:endParaRPr lang="en-GB"/>
           </a:p>
@@ -18834,7 +18940,7 @@
           <a:p>
             <a:fld id="{F4EF672C-4118-4A29-9BCF-18A464776279}" type="datetime1">
               <a:rPr lang="en-GB" smtClean="0"/>
-              <a:t>28/11/2024</a:t>
+              <a:t>30/11/2024</a:t>
             </a:fld>
             <a:endParaRPr lang="en-GB"/>
           </a:p>
@@ -19249,7 +19355,7 @@
           <a:p>
             <a:fld id="{4DE19B52-7B9B-4896-99FD-01CCD41C6B5A}" type="datetime1">
               <a:rPr lang="en-GB" smtClean="0"/>
-              <a:t>28/11/2024</a:t>
+              <a:t>30/11/2024</a:t>
             </a:fld>
             <a:endParaRPr lang="en-GB"/>
           </a:p>
@@ -19391,7 +19497,7 @@
           <a:p>
             <a:fld id="{C4795DCB-23BE-4537-91A0-BE034EDFA98F}" type="datetime1">
               <a:rPr lang="en-GB" smtClean="0"/>
-              <a:t>28/11/2024</a:t>
+              <a:t>30/11/2024</a:t>
             </a:fld>
             <a:endParaRPr lang="en-GB"/>
           </a:p>
@@ -19504,7 +19610,7 @@
           <a:p>
             <a:fld id="{C7B2E9A3-E2ED-4D18-9D02-D6939BD574AC}" type="datetime1">
               <a:rPr lang="en-GB" smtClean="0"/>
-              <a:t>28/11/2024</a:t>
+              <a:t>30/11/2024</a:t>
             </a:fld>
             <a:endParaRPr lang="en-GB"/>
           </a:p>
@@ -19817,7 +19923,7 @@
           <a:p>
             <a:fld id="{7F196069-ACF0-4899-9924-EA7EB298A93C}" type="datetime1">
               <a:rPr lang="en-GB" smtClean="0"/>
-              <a:t>28/11/2024</a:t>
+              <a:t>30/11/2024</a:t>
             </a:fld>
             <a:endParaRPr lang="en-GB"/>
           </a:p>
@@ -20106,7 +20212,7 @@
           <a:p>
             <a:fld id="{872157A4-C34A-41E6-A526-CA93571CA922}" type="datetime1">
               <a:rPr lang="en-GB" smtClean="0"/>
-              <a:t>28/11/2024</a:t>
+              <a:t>30/11/2024</a:t>
             </a:fld>
             <a:endParaRPr lang="en-GB"/>
           </a:p>
@@ -20349,7 +20455,7 @@
           <a:p>
             <a:fld id="{2AA4B2BC-2DA0-4043-A92C-0795D1B7AE65}" type="datetime1">
               <a:rPr lang="en-GB" smtClean="0"/>
-              <a:t>28/11/2024</a:t>
+              <a:t>30/11/2024</a:t>
             </a:fld>
             <a:endParaRPr lang="en-GB"/>
           </a:p>
@@ -22525,8 +22631,8 @@
           </a:p>
         </p:txBody>
       </p:sp>
-      <mc:AlternateContent xmlns:mc="http://schemas.openxmlformats.org/markup-compatibility/2006">
-        <mc:Choice xmlns:pslz="http://schemas.microsoft.com/office/powerpoint/2016/slidezoom" Requires="pslz">
+      <mc:AlternateContent xmlns:mc="http://schemas.openxmlformats.org/markup-compatibility/2006" xmlns:pslz="http://schemas.microsoft.com/office/powerpoint/2016/slidezoom">
+        <mc:Choice Requires="pslz">
           <p:graphicFrame>
             <p:nvGraphicFramePr>
               <p:cNvPr id="6" name="Slide Zoom 5">
@@ -22583,7 +22689,7 @@
             </a:graphic>
           </p:graphicFrame>
         </mc:Choice>
-        <mc:Fallback>
+        <mc:Fallback xmlns="">
           <p:pic>
             <p:nvPicPr>
               <p:cNvPr id="6" name="Slide Zoom 5">
@@ -22599,7 +22705,7 @@
               <p:nvPr/>
             </p:nvPicPr>
             <p:blipFill>
-              <a:blip r:embed="rId3"/>
+              <a:blip r:embed="rId4"/>
               <a:stretch>
                 <a:fillRect/>
               </a:stretch>
@@ -24353,8 +24459,8 @@
           </a:p>
         </p:txBody>
       </p:sp>
-      <mc:AlternateContent xmlns:mc="http://schemas.openxmlformats.org/markup-compatibility/2006">
-        <mc:Choice xmlns:pslz="http://schemas.microsoft.com/office/powerpoint/2016/slidezoom" Requires="pslz">
+      <mc:AlternateContent xmlns:mc="http://schemas.openxmlformats.org/markup-compatibility/2006" xmlns:pslz="http://schemas.microsoft.com/office/powerpoint/2016/slidezoom">
+        <mc:Choice Requires="pslz">
           <p:graphicFrame>
             <p:nvGraphicFramePr>
               <p:cNvPr id="6" name="Slide Zoom 5">
@@ -24411,7 +24517,7 @@
             </a:graphic>
           </p:graphicFrame>
         </mc:Choice>
-        <mc:Fallback>
+        <mc:Fallback xmlns="">
           <p:pic>
             <p:nvPicPr>
               <p:cNvPr id="6" name="Slide Zoom 5">
@@ -24427,7 +24533,7 @@
               <p:nvPr/>
             </p:nvPicPr>
             <p:blipFill>
-              <a:blip r:embed="rId3"/>
+              <a:blip r:embed="rId4"/>
               <a:stretch>
                 <a:fillRect/>
               </a:stretch>
@@ -25096,6 +25202,671 @@
 <file path=ppt/slides/slide28.xml><?xml version="1.0" encoding="utf-8"?>
 <p:sld xmlns:a="http://schemas.openxmlformats.org/drawingml/2006/main" xmlns:r="http://schemas.openxmlformats.org/officeDocument/2006/relationships" xmlns:p="http://schemas.openxmlformats.org/presentationml/2006/main">
   <p:cSld>
+    <p:spTree>
+      <p:nvGrpSpPr>
+        <p:cNvPr id="1" name=""/>
+        <p:cNvGrpSpPr/>
+        <p:nvPr/>
+      </p:nvGrpSpPr>
+      <p:grpSpPr>
+        <a:xfrm>
+          <a:off x="0" y="0"/>
+          <a:ext cx="0" cy="0"/>
+          <a:chOff x="0" y="0"/>
+          <a:chExt cx="0" cy="0"/>
+        </a:xfrm>
+      </p:grpSpPr>
+      <p:sp>
+        <p:nvSpPr>
+          <p:cNvPr id="2" name="Title 1">
+            <a:extLst>
+              <a:ext uri="{FF2B5EF4-FFF2-40B4-BE49-F238E27FC236}">
+                <a16:creationId xmlns:a16="http://schemas.microsoft.com/office/drawing/2014/main" id="{A9DF4FE9-4F05-EDED-0056-78E4855899DF}"/>
+              </a:ext>
+            </a:extLst>
+          </p:cNvPr>
+          <p:cNvSpPr>
+            <a:spLocks noGrp="1"/>
+          </p:cNvSpPr>
+          <p:nvPr>
+            <p:ph type="title"/>
+          </p:nvPr>
+        </p:nvSpPr>
+        <p:spPr/>
+        <p:txBody>
+          <a:bodyPr/>
+          <a:lstStyle/>
+          <a:p>
+            <a:r>
+              <a:rPr lang="en-AU" dirty="0"/>
+              <a:t>Limitations in External Python </a:t>
+            </a:r>
+            <a:endParaRPr lang="en-ID" dirty="0"/>
+          </a:p>
+        </p:txBody>
+      </p:sp>
+      <p:sp>
+        <p:nvSpPr>
+          <p:cNvPr id="3" name="Content Placeholder 2">
+            <a:extLst>
+              <a:ext uri="{FF2B5EF4-FFF2-40B4-BE49-F238E27FC236}">
+                <a16:creationId xmlns:a16="http://schemas.microsoft.com/office/drawing/2014/main" id="{569ED8B0-6997-20DE-271F-C9BA28583CFB}"/>
+              </a:ext>
+            </a:extLst>
+          </p:cNvPr>
+          <p:cNvSpPr>
+            <a:spLocks noGrp="1"/>
+          </p:cNvSpPr>
+          <p:nvPr>
+            <p:ph idx="1"/>
+          </p:nvPr>
+        </p:nvSpPr>
+        <p:spPr/>
+        <p:txBody>
+          <a:bodyPr/>
+          <a:lstStyle/>
+          <a:p>
+            <a:r>
+              <a:rPr lang="en-AU" dirty="0"/>
+              <a:t>When we import </a:t>
+            </a:r>
+            <a:r>
+              <a:rPr lang="en-AU" dirty="0" err="1"/>
+              <a:t>PowerFactory</a:t>
+            </a:r>
+            <a:r>
+              <a:rPr lang="en-AU" dirty="0"/>
+              <a:t> as pf, Python Kernel start to run </a:t>
+            </a:r>
+            <a:r>
+              <a:rPr lang="en-AU" dirty="0" err="1"/>
+              <a:t>PowerFactory</a:t>
+            </a:r>
+            <a:r>
+              <a:rPr lang="en-AU" dirty="0"/>
+              <a:t>.</a:t>
+            </a:r>
+          </a:p>
+          <a:p>
+            <a:pPr algn="just"/>
+            <a:r>
+              <a:rPr lang="en-AU" dirty="0"/>
+              <a:t>It could be seen from the Task Manager, that </a:t>
+            </a:r>
+            <a:r>
+              <a:rPr lang="en-AU" dirty="0" err="1"/>
+              <a:t>PowerFactory</a:t>
+            </a:r>
+            <a:r>
+              <a:rPr lang="en-AU" dirty="0"/>
+              <a:t> is not opened via the Windows itself, but it is opened via Python. You can check it by yourself</a:t>
+            </a:r>
+            <a:endParaRPr lang="en-ID" dirty="0"/>
+          </a:p>
+        </p:txBody>
+      </p:sp>
+      <p:sp>
+        <p:nvSpPr>
+          <p:cNvPr id="4" name="Slide Number Placeholder 3">
+            <a:extLst>
+              <a:ext uri="{FF2B5EF4-FFF2-40B4-BE49-F238E27FC236}">
+                <a16:creationId xmlns:a16="http://schemas.microsoft.com/office/drawing/2014/main" id="{5B0D5843-9800-F0CB-18CB-B953F2946BAC}"/>
+              </a:ext>
+            </a:extLst>
+          </p:cNvPr>
+          <p:cNvSpPr>
+            <a:spLocks noGrp="1"/>
+          </p:cNvSpPr>
+          <p:nvPr>
+            <p:ph type="sldNum" sz="quarter" idx="12"/>
+          </p:nvPr>
+        </p:nvSpPr>
+        <p:spPr/>
+        <p:txBody>
+          <a:bodyPr/>
+          <a:lstStyle/>
+          <a:p>
+            <a:fld id="{6C8CECFA-E868-4807-9B83-D8E05272C313}" type="slidenum">
+              <a:rPr lang="en-GB" smtClean="0"/>
+              <a:t>28</a:t>
+            </a:fld>
+            <a:endParaRPr lang="en-GB"/>
+          </a:p>
+        </p:txBody>
+      </p:sp>
+      <p:pic>
+        <p:nvPicPr>
+          <p:cNvPr id="8" name="Picture 7">
+            <a:extLst>
+              <a:ext uri="{FF2B5EF4-FFF2-40B4-BE49-F238E27FC236}">
+                <a16:creationId xmlns:a16="http://schemas.microsoft.com/office/drawing/2014/main" id="{F609114F-5D1E-98D0-B164-3DF9958948D4}"/>
+              </a:ext>
+            </a:extLst>
+          </p:cNvPr>
+          <p:cNvPicPr>
+            <a:picLocks noChangeAspect="1"/>
+          </p:cNvPicPr>
+          <p:nvPr/>
+        </p:nvPicPr>
+        <p:blipFill>
+          <a:blip r:embed="rId2"/>
+          <a:stretch>
+            <a:fillRect/>
+          </a:stretch>
+        </p:blipFill>
+        <p:spPr>
+          <a:xfrm>
+            <a:off x="601997" y="4064650"/>
+            <a:ext cx="10988005" cy="2474262"/>
+          </a:xfrm>
+          <a:prstGeom prst="rect">
+            <a:avLst/>
+          </a:prstGeom>
+        </p:spPr>
+      </p:pic>
+    </p:spTree>
+    <p:extLst>
+      <p:ext uri="{BB962C8B-B14F-4D97-AF65-F5344CB8AC3E}">
+        <p14:creationId xmlns:p14="http://schemas.microsoft.com/office/powerpoint/2010/main" val="2134824123"/>
+      </p:ext>
+    </p:extLst>
+  </p:cSld>
+  <p:clrMapOvr>
+    <a:masterClrMapping/>
+  </p:clrMapOvr>
+</p:sld>
+</file>
+
+<file path=ppt/slides/slide29.xml><?xml version="1.0" encoding="utf-8"?>
+<p:sld xmlns:a="http://schemas.openxmlformats.org/drawingml/2006/main" xmlns:r="http://schemas.openxmlformats.org/officeDocument/2006/relationships" xmlns:p="http://schemas.openxmlformats.org/presentationml/2006/main">
+  <p:cSld>
+    <p:spTree>
+      <p:nvGrpSpPr>
+        <p:cNvPr id="1" name="">
+          <a:extLst>
+            <a:ext uri="{FF2B5EF4-FFF2-40B4-BE49-F238E27FC236}">
+              <a16:creationId xmlns:a16="http://schemas.microsoft.com/office/drawing/2014/main" id="{473DDE3A-FC8C-6018-5485-0E7BCE4DE607}"/>
+            </a:ext>
+          </a:extLst>
+        </p:cNvPr>
+        <p:cNvGrpSpPr/>
+        <p:nvPr/>
+      </p:nvGrpSpPr>
+      <p:grpSpPr>
+        <a:xfrm>
+          <a:off x="0" y="0"/>
+          <a:ext cx="0" cy="0"/>
+          <a:chOff x="0" y="0"/>
+          <a:chExt cx="0" cy="0"/>
+        </a:xfrm>
+      </p:grpSpPr>
+      <p:sp>
+        <p:nvSpPr>
+          <p:cNvPr id="2" name="Title 1">
+            <a:extLst>
+              <a:ext uri="{FF2B5EF4-FFF2-40B4-BE49-F238E27FC236}">
+                <a16:creationId xmlns:a16="http://schemas.microsoft.com/office/drawing/2014/main" id="{3B3F50B2-9BED-79E3-8F1B-674D299F104F}"/>
+              </a:ext>
+            </a:extLst>
+          </p:cNvPr>
+          <p:cNvSpPr>
+            <a:spLocks noGrp="1"/>
+          </p:cNvSpPr>
+          <p:nvPr>
+            <p:ph type="title"/>
+          </p:nvPr>
+        </p:nvSpPr>
+        <p:spPr/>
+        <p:txBody>
+          <a:bodyPr/>
+          <a:lstStyle/>
+          <a:p>
+            <a:r>
+              <a:rPr lang="en-AU" dirty="0"/>
+              <a:t>Limitations in External Python </a:t>
+            </a:r>
+            <a:endParaRPr lang="en-ID" dirty="0"/>
+          </a:p>
+        </p:txBody>
+      </p:sp>
+      <p:sp>
+        <p:nvSpPr>
+          <p:cNvPr id="3" name="Content Placeholder 2">
+            <a:extLst>
+              <a:ext uri="{FF2B5EF4-FFF2-40B4-BE49-F238E27FC236}">
+                <a16:creationId xmlns:a16="http://schemas.microsoft.com/office/drawing/2014/main" id="{2BE1414A-BD30-EA3A-9783-7CD6617A08F3}"/>
+              </a:ext>
+            </a:extLst>
+          </p:cNvPr>
+          <p:cNvSpPr>
+            <a:spLocks noGrp="1"/>
+          </p:cNvSpPr>
+          <p:nvPr>
+            <p:ph idx="1"/>
+          </p:nvPr>
+        </p:nvSpPr>
+        <p:spPr/>
+        <p:txBody>
+          <a:bodyPr/>
+          <a:lstStyle/>
+          <a:p>
+            <a:r>
+              <a:rPr lang="en-AU" dirty="0"/>
+              <a:t>Therefore, we are prohibited from closing the </a:t>
+            </a:r>
+            <a:r>
+              <a:rPr lang="en-AU" dirty="0" err="1"/>
+              <a:t>PowerFactory</a:t>
+            </a:r>
+            <a:r>
+              <a:rPr lang="en-AU" dirty="0"/>
+              <a:t> directly through the Windows User Interface, like in the picture below.</a:t>
+            </a:r>
+          </a:p>
+          <a:p>
+            <a:endParaRPr lang="en-AU" dirty="0"/>
+          </a:p>
+          <a:p>
+            <a:endParaRPr lang="en-AU" dirty="0"/>
+          </a:p>
+          <a:p>
+            <a:endParaRPr lang="en-AU" dirty="0"/>
+          </a:p>
+          <a:p>
+            <a:r>
+              <a:rPr lang="en-AU" dirty="0"/>
+              <a:t>If you want to close the </a:t>
+            </a:r>
+            <a:r>
+              <a:rPr lang="en-AU" dirty="0" err="1"/>
+              <a:t>PowerFactory</a:t>
+            </a:r>
+            <a:r>
+              <a:rPr lang="en-AU" dirty="0"/>
+              <a:t> because you have </a:t>
+            </a:r>
+            <a:r>
+              <a:rPr lang="en-US" dirty="0"/>
+              <a:t>finished your work, just close the cmd.exe that opens</a:t>
+            </a:r>
+            <a:r>
+              <a:rPr lang="en-AU" dirty="0"/>
+              <a:t> the </a:t>
+            </a:r>
+            <a:r>
+              <a:rPr lang="en-AU" dirty="0" err="1"/>
+              <a:t>Jupyter</a:t>
+            </a:r>
+            <a:r>
+              <a:rPr lang="en-AU" dirty="0"/>
+              <a:t> Notebook.</a:t>
+            </a:r>
+          </a:p>
+          <a:p>
+            <a:r>
+              <a:rPr lang="en-AU" dirty="0"/>
+              <a:t>If you want to close the </a:t>
+            </a:r>
+            <a:r>
+              <a:rPr lang="en-AU" dirty="0" err="1"/>
+              <a:t>PowerFactory</a:t>
+            </a:r>
+            <a:r>
+              <a:rPr lang="en-AU" dirty="0"/>
+              <a:t> to fasten the simulation time, use the command “</a:t>
+            </a:r>
+            <a:r>
+              <a:rPr lang="en-AU" dirty="0" err="1"/>
+              <a:t>app.Hide</a:t>
+            </a:r>
+            <a:r>
+              <a:rPr lang="en-AU" dirty="0"/>
+              <a:t>()”</a:t>
+            </a:r>
+          </a:p>
+        </p:txBody>
+      </p:sp>
+      <p:sp>
+        <p:nvSpPr>
+          <p:cNvPr id="4" name="Slide Number Placeholder 3">
+            <a:extLst>
+              <a:ext uri="{FF2B5EF4-FFF2-40B4-BE49-F238E27FC236}">
+                <a16:creationId xmlns:a16="http://schemas.microsoft.com/office/drawing/2014/main" id="{257B6FE1-42D8-997E-D92D-CD144DF6D5E4}"/>
+              </a:ext>
+            </a:extLst>
+          </p:cNvPr>
+          <p:cNvSpPr>
+            <a:spLocks noGrp="1"/>
+          </p:cNvSpPr>
+          <p:nvPr>
+            <p:ph type="sldNum" sz="quarter" idx="12"/>
+          </p:nvPr>
+        </p:nvSpPr>
+        <p:spPr/>
+        <p:txBody>
+          <a:bodyPr/>
+          <a:lstStyle/>
+          <a:p>
+            <a:fld id="{6C8CECFA-E868-4807-9B83-D8E05272C313}" type="slidenum">
+              <a:rPr lang="en-GB" smtClean="0"/>
+              <a:t>29</a:t>
+            </a:fld>
+            <a:endParaRPr lang="en-GB"/>
+          </a:p>
+        </p:txBody>
+      </p:sp>
+      <p:pic>
+        <p:nvPicPr>
+          <p:cNvPr id="9" name="Picture 8">
+            <a:extLst>
+              <a:ext uri="{FF2B5EF4-FFF2-40B4-BE49-F238E27FC236}">
+                <a16:creationId xmlns:a16="http://schemas.microsoft.com/office/drawing/2014/main" id="{4472A555-F942-D40F-E6EC-C75138BEE7B3}"/>
+              </a:ext>
+            </a:extLst>
+          </p:cNvPr>
+          <p:cNvPicPr>
+            <a:picLocks noChangeAspect="1"/>
+          </p:cNvPicPr>
+          <p:nvPr/>
+        </p:nvPicPr>
+        <p:blipFill>
+          <a:blip r:embed="rId2"/>
+          <a:stretch>
+            <a:fillRect/>
+          </a:stretch>
+        </p:blipFill>
+        <p:spPr>
+          <a:xfrm>
+            <a:off x="0" y="3111500"/>
+            <a:ext cx="12192000" cy="635000"/>
+          </a:xfrm>
+          <a:prstGeom prst="rect">
+            <a:avLst/>
+          </a:prstGeom>
+        </p:spPr>
+      </p:pic>
+      <p:sp>
+        <p:nvSpPr>
+          <p:cNvPr id="10" name="Rectangle 9">
+            <a:extLst>
+              <a:ext uri="{FF2B5EF4-FFF2-40B4-BE49-F238E27FC236}">
+                <a16:creationId xmlns:a16="http://schemas.microsoft.com/office/drawing/2014/main" id="{513BED97-0E7C-F0A2-31E9-BF0F746178BB}"/>
+              </a:ext>
+            </a:extLst>
+          </p:cNvPr>
+          <p:cNvSpPr/>
+          <p:nvPr/>
+        </p:nvSpPr>
+        <p:spPr>
+          <a:xfrm>
+            <a:off x="11810999" y="2976564"/>
+            <a:ext cx="381001" cy="452436"/>
+          </a:xfrm>
+          <a:prstGeom prst="rect">
+            <a:avLst/>
+          </a:prstGeom>
+          <a:noFill/>
+          <a:ln w="28575">
+            <a:solidFill>
+              <a:srgbClr val="FF0000"/>
+            </a:solidFill>
+          </a:ln>
+        </p:spPr>
+        <p:style>
+          <a:lnRef idx="2">
+            <a:schemeClr val="accent1">
+              <a:shade val="15000"/>
+            </a:schemeClr>
+          </a:lnRef>
+          <a:fillRef idx="1">
+            <a:schemeClr val="accent1"/>
+          </a:fillRef>
+          <a:effectRef idx="0">
+            <a:schemeClr val="accent1"/>
+          </a:effectRef>
+          <a:fontRef idx="minor">
+            <a:schemeClr val="lt1"/>
+          </a:fontRef>
+        </p:style>
+        <p:txBody>
+          <a:bodyPr rtlCol="0" anchor="ctr"/>
+          <a:lstStyle/>
+          <a:p>
+            <a:pPr algn="ctr"/>
+            <a:endParaRPr lang="en-ID"/>
+          </a:p>
+        </p:txBody>
+      </p:sp>
+      <p:cxnSp>
+        <p:nvCxnSpPr>
+          <p:cNvPr id="12" name="Straight Arrow Connector 11">
+            <a:extLst>
+              <a:ext uri="{FF2B5EF4-FFF2-40B4-BE49-F238E27FC236}">
+                <a16:creationId xmlns:a16="http://schemas.microsoft.com/office/drawing/2014/main" id="{8C3C1F2B-4587-B46B-6441-CA39BE233CAA}"/>
+              </a:ext>
+            </a:extLst>
+          </p:cNvPr>
+          <p:cNvCxnSpPr/>
+          <p:nvPr/>
+        </p:nvCxnSpPr>
+        <p:spPr>
+          <a:xfrm>
+            <a:off x="8060871" y="2807721"/>
+            <a:ext cx="3712029" cy="428171"/>
+          </a:xfrm>
+          <a:prstGeom prst="straightConnector1">
+            <a:avLst/>
+          </a:prstGeom>
+          <a:ln w="57150">
+            <a:solidFill>
+              <a:srgbClr val="FF0000"/>
+            </a:solidFill>
+            <a:tailEnd type="triangle"/>
+          </a:ln>
+        </p:spPr>
+        <p:style>
+          <a:lnRef idx="1">
+            <a:schemeClr val="accent2"/>
+          </a:lnRef>
+          <a:fillRef idx="0">
+            <a:schemeClr val="accent2"/>
+          </a:fillRef>
+          <a:effectRef idx="0">
+            <a:schemeClr val="accent2"/>
+          </a:effectRef>
+          <a:fontRef idx="minor">
+            <a:schemeClr val="tx1"/>
+          </a:fontRef>
+        </p:style>
+      </p:cxnSp>
+      <p:pic>
+        <p:nvPicPr>
+          <p:cNvPr id="14" name="Picture 13">
+            <a:extLst>
+              <a:ext uri="{FF2B5EF4-FFF2-40B4-BE49-F238E27FC236}">
+                <a16:creationId xmlns:a16="http://schemas.microsoft.com/office/drawing/2014/main" id="{E83D52C9-1E17-9E98-20B0-CEAC0803D432}"/>
+              </a:ext>
+            </a:extLst>
+          </p:cNvPr>
+          <p:cNvPicPr>
+            <a:picLocks noChangeAspect="1"/>
+          </p:cNvPicPr>
+          <p:nvPr/>
+        </p:nvPicPr>
+        <p:blipFill>
+          <a:blip r:embed="rId3"/>
+          <a:stretch>
+            <a:fillRect/>
+          </a:stretch>
+        </p:blipFill>
+        <p:spPr>
+          <a:xfrm>
+            <a:off x="4392782" y="6027144"/>
+            <a:ext cx="3406435" cy="609653"/>
+          </a:xfrm>
+          <a:prstGeom prst="rect">
+            <a:avLst/>
+          </a:prstGeom>
+        </p:spPr>
+      </p:pic>
+    </p:spTree>
+    <p:extLst>
+      <p:ext uri="{BB962C8B-B14F-4D97-AF65-F5344CB8AC3E}">
+        <p14:creationId xmlns:p14="http://schemas.microsoft.com/office/powerpoint/2010/main" val="2813990817"/>
+      </p:ext>
+    </p:extLst>
+  </p:cSld>
+  <p:clrMapOvr>
+    <a:masterClrMapping/>
+  </p:clrMapOvr>
+</p:sld>
+</file>
+
+<file path=ppt/slides/slide3.xml><?xml version="1.0" encoding="utf-8"?>
+<p:sld xmlns:a="http://schemas.openxmlformats.org/drawingml/2006/main" xmlns:r="http://schemas.openxmlformats.org/officeDocument/2006/relationships" xmlns:p="http://schemas.openxmlformats.org/presentationml/2006/main">
+  <p:cSld>
+    <p:bg>
+      <p:bgPr>
+        <a:pattFill prst="pct5">
+          <a:fgClr>
+            <a:schemeClr val="accent1"/>
+          </a:fgClr>
+          <a:bgClr>
+            <a:schemeClr val="bg1"/>
+          </a:bgClr>
+        </a:pattFill>
+        <a:effectLst/>
+      </p:bgPr>
+    </p:bg>
+    <p:spTree>
+      <p:nvGrpSpPr>
+        <p:cNvPr id="1" name="">
+          <a:extLst>
+            <a:ext uri="{FF2B5EF4-FFF2-40B4-BE49-F238E27FC236}">
+              <a16:creationId xmlns:a16="http://schemas.microsoft.com/office/drawing/2014/main" id="{6DA33BA4-076E-2FB6-07AF-B248DB98D3F7}"/>
+            </a:ext>
+          </a:extLst>
+        </p:cNvPr>
+        <p:cNvGrpSpPr/>
+        <p:nvPr/>
+      </p:nvGrpSpPr>
+      <p:grpSpPr>
+        <a:xfrm>
+          <a:off x="0" y="0"/>
+          <a:ext cx="0" cy="0"/>
+          <a:chOff x="0" y="0"/>
+          <a:chExt cx="0" cy="0"/>
+        </a:xfrm>
+      </p:grpSpPr>
+      <p:sp>
+        <p:nvSpPr>
+          <p:cNvPr id="3" name="內容版面配置區 2">
+            <a:extLst>
+              <a:ext uri="{FF2B5EF4-FFF2-40B4-BE49-F238E27FC236}">
+                <a16:creationId xmlns:a16="http://schemas.microsoft.com/office/drawing/2014/main" id="{8CDD54BC-B6E4-3BD4-B337-000BE8D88397}"/>
+              </a:ext>
+            </a:extLst>
+          </p:cNvPr>
+          <p:cNvSpPr>
+            <a:spLocks noGrp="1"/>
+          </p:cNvSpPr>
+          <p:nvPr>
+            <p:ph idx="1"/>
+          </p:nvPr>
+        </p:nvSpPr>
+        <p:spPr>
+          <a:xfrm>
+            <a:off x="838200" y="2808514"/>
+            <a:ext cx="10515600" cy="3399620"/>
+          </a:xfrm>
+        </p:spPr>
+        <p:txBody>
+          <a:bodyPr>
+            <a:normAutofit/>
+          </a:bodyPr>
+          <a:lstStyle/>
+          <a:p>
+            <a:pPr marL="0" indent="0" algn="ctr">
+              <a:buNone/>
+            </a:pPr>
+            <a:r>
+              <a:rPr lang="en-US" sz="5400" dirty="0"/>
+              <a:t>Learning Reason</a:t>
+            </a:r>
+          </a:p>
+          <a:p>
+            <a:pPr marL="0" indent="0" algn="ctr">
+              <a:buNone/>
+            </a:pPr>
+            <a:r>
+              <a:rPr lang="en-US" sz="3200" dirty="0"/>
+              <a:t>(Why should we use Python in </a:t>
+            </a:r>
+            <a:r>
+              <a:rPr lang="en-US" sz="3200" dirty="0" err="1"/>
+              <a:t>DIgSILENT</a:t>
+            </a:r>
+            <a:r>
+              <a:rPr lang="en-US" sz="3200" dirty="0"/>
+              <a:t> </a:t>
+            </a:r>
+            <a:r>
+              <a:rPr lang="en-US" sz="3200" dirty="0" err="1"/>
+              <a:t>PowerFactory</a:t>
+            </a:r>
+            <a:r>
+              <a:rPr lang="en-US" sz="3200" dirty="0"/>
+              <a:t>?)</a:t>
+            </a:r>
+            <a:endParaRPr lang="en-US" sz="2400" dirty="0"/>
+          </a:p>
+        </p:txBody>
+      </p:sp>
+      <p:sp>
+        <p:nvSpPr>
+          <p:cNvPr id="4" name="投影片編號版面配置區 3">
+            <a:extLst>
+              <a:ext uri="{FF2B5EF4-FFF2-40B4-BE49-F238E27FC236}">
+                <a16:creationId xmlns:a16="http://schemas.microsoft.com/office/drawing/2014/main" id="{B1B33992-AE84-EEBB-C659-CCEC55B5EA25}"/>
+              </a:ext>
+            </a:extLst>
+          </p:cNvPr>
+          <p:cNvSpPr>
+            <a:spLocks noGrp="1"/>
+          </p:cNvSpPr>
+          <p:nvPr>
+            <p:ph type="sldNum" sz="quarter" idx="12"/>
+          </p:nvPr>
+        </p:nvSpPr>
+        <p:spPr/>
+        <p:txBody>
+          <a:bodyPr/>
+          <a:lstStyle/>
+          <a:p>
+            <a:fld id="{6C8CECFA-E868-4807-9B83-D8E05272C313}" type="slidenum">
+              <a:rPr lang="en-GB" smtClean="0"/>
+              <a:t>3</a:t>
+            </a:fld>
+            <a:endParaRPr lang="en-GB"/>
+          </a:p>
+        </p:txBody>
+      </p:sp>
+    </p:spTree>
+    <p:extLst>
+      <p:ext uri="{BB962C8B-B14F-4D97-AF65-F5344CB8AC3E}">
+        <p14:creationId xmlns:p14="http://schemas.microsoft.com/office/powerpoint/2010/main" val="806932413"/>
+      </p:ext>
+    </p:extLst>
+  </p:cSld>
+  <p:clrMapOvr>
+    <a:masterClrMapping/>
+  </p:clrMapOvr>
+</p:sld>
+</file>
+
+<file path=ppt/slides/slide30.xml><?xml version="1.0" encoding="utf-8"?>
+<p:sld xmlns:a="http://schemas.openxmlformats.org/drawingml/2006/main" xmlns:r="http://schemas.openxmlformats.org/officeDocument/2006/relationships" xmlns:p="http://schemas.openxmlformats.org/presentationml/2006/main">
+  <p:cSld>
     <p:bg>
       <p:bgPr>
         <a:pattFill prst="pct5">
@@ -25222,14 +25993,14 @@
           <a:p>
             <a:fld id="{6C8CECFA-E868-4807-9B83-D8E05272C313}" type="slidenum">
               <a:rPr lang="en-GB" smtClean="0"/>
-              <a:t>28</a:t>
+              <a:t>30</a:t>
             </a:fld>
             <a:endParaRPr lang="en-GB"/>
           </a:p>
         </p:txBody>
       </p:sp>
-      <mc:AlternateContent xmlns:mc="http://schemas.openxmlformats.org/markup-compatibility/2006">
-        <mc:Choice xmlns:pslz="http://schemas.microsoft.com/office/powerpoint/2016/slidezoom" Requires="pslz">
+      <mc:AlternateContent xmlns:mc="http://schemas.openxmlformats.org/markup-compatibility/2006" xmlns:pslz="http://schemas.microsoft.com/office/powerpoint/2016/slidezoom">
+        <mc:Choice Requires="pslz">
           <p:graphicFrame>
             <p:nvGraphicFramePr>
               <p:cNvPr id="7" name="Slide Zoom 6">
@@ -25286,7 +26057,7 @@
             </a:graphic>
           </p:graphicFrame>
         </mc:Choice>
-        <mc:Fallback>
+        <mc:Fallback xmlns="">
           <p:pic>
             <p:nvPicPr>
               <p:cNvPr id="7" name="Slide Zoom 6">
@@ -25302,7 +26073,7 @@
               <p:nvPr/>
             </p:nvPicPr>
             <p:blipFill>
-              <a:blip r:embed="rId3"/>
+              <a:blip r:embed="rId4"/>
               <a:stretch>
                 <a:fillRect/>
               </a:stretch>
@@ -25337,7 +26108,7 @@
 </p:sld>
 </file>
 
-<file path=ppt/slides/slide29.xml><?xml version="1.0" encoding="utf-8"?>
+<file path=ppt/slides/slide31.xml><?xml version="1.0" encoding="utf-8"?>
 <p:sld xmlns:a="http://schemas.openxmlformats.org/drawingml/2006/main" xmlns:r="http://schemas.openxmlformats.org/officeDocument/2006/relationships" xmlns:p="http://schemas.openxmlformats.org/presentationml/2006/main">
   <p:cSld>
     <p:spTree>
@@ -25484,7 +26255,7 @@
           <a:p>
             <a:fld id="{6C8CECFA-E868-4807-9B83-D8E05272C313}" type="slidenum">
               <a:rPr lang="en-GB" smtClean="0"/>
-              <a:t>29</a:t>
+              <a:t>31</a:t>
             </a:fld>
             <a:endParaRPr lang="en-GB"/>
           </a:p>
@@ -25563,149 +26334,7 @@
 </p:sld>
 </file>
 
-<file path=ppt/slides/slide3.xml><?xml version="1.0" encoding="utf-8"?>
-<p:sld xmlns:a="http://schemas.openxmlformats.org/drawingml/2006/main" xmlns:r="http://schemas.openxmlformats.org/officeDocument/2006/relationships" xmlns:p="http://schemas.openxmlformats.org/presentationml/2006/main">
-  <p:cSld>
-    <p:bg>
-      <p:bgPr>
-        <a:pattFill prst="pct5">
-          <a:fgClr>
-            <a:schemeClr val="accent1"/>
-          </a:fgClr>
-          <a:bgClr>
-            <a:schemeClr val="bg1"/>
-          </a:bgClr>
-        </a:pattFill>
-        <a:effectLst/>
-      </p:bgPr>
-    </p:bg>
-    <p:spTree>
-      <p:nvGrpSpPr>
-        <p:cNvPr id="1" name="">
-          <a:extLst>
-            <a:ext uri="{FF2B5EF4-FFF2-40B4-BE49-F238E27FC236}">
-              <a16:creationId xmlns:a16="http://schemas.microsoft.com/office/drawing/2014/main" id="{6DA33BA4-076E-2FB6-07AF-B248DB98D3F7}"/>
-            </a:ext>
-          </a:extLst>
-        </p:cNvPr>
-        <p:cNvGrpSpPr/>
-        <p:nvPr/>
-      </p:nvGrpSpPr>
-      <p:grpSpPr>
-        <a:xfrm>
-          <a:off x="0" y="0"/>
-          <a:ext cx="0" cy="0"/>
-          <a:chOff x="0" y="0"/>
-          <a:chExt cx="0" cy="0"/>
-        </a:xfrm>
-      </p:grpSpPr>
-      <p:sp>
-        <p:nvSpPr>
-          <p:cNvPr id="3" name="內容版面配置區 2">
-            <a:extLst>
-              <a:ext uri="{FF2B5EF4-FFF2-40B4-BE49-F238E27FC236}">
-                <a16:creationId xmlns:a16="http://schemas.microsoft.com/office/drawing/2014/main" id="{8CDD54BC-B6E4-3BD4-B337-000BE8D88397}"/>
-              </a:ext>
-            </a:extLst>
-          </p:cNvPr>
-          <p:cNvSpPr>
-            <a:spLocks noGrp="1"/>
-          </p:cNvSpPr>
-          <p:nvPr>
-            <p:ph idx="1"/>
-          </p:nvPr>
-        </p:nvSpPr>
-        <p:spPr>
-          <a:xfrm>
-            <a:off x="838200" y="2808514"/>
-            <a:ext cx="10515600" cy="3399620"/>
-          </a:xfrm>
-        </p:spPr>
-        <p:txBody>
-          <a:bodyPr>
-            <a:normAutofit/>
-          </a:bodyPr>
-          <a:lstStyle/>
-          <a:p>
-            <a:pPr marL="0" indent="0" algn="ctr">
-              <a:buNone/>
-            </a:pPr>
-            <a:r>
-              <a:rPr lang="en-US" sz="5400" dirty="0"/>
-              <a:t>Learning Reason</a:t>
-            </a:r>
-          </a:p>
-          <a:p>
-            <a:pPr marL="0" indent="0" algn="ctr">
-              <a:buNone/>
-            </a:pPr>
-            <a:r>
-              <a:rPr lang="en-US" sz="3200" dirty="0"/>
-              <a:t>(Why should we use Python in </a:t>
-            </a:r>
-            <a:r>
-              <a:rPr lang="en-US" sz="3200" dirty="0" err="1"/>
-              <a:t>DIgSILENT</a:t>
-            </a:r>
-            <a:r>
-              <a:rPr lang="en-US" sz="3200" dirty="0"/>
-              <a:t> </a:t>
-            </a:r>
-            <a:r>
-              <a:rPr lang="en-US" sz="3200" dirty="0" err="1"/>
-              <a:t>PowerFactory</a:t>
-            </a:r>
-            <a:r>
-              <a:rPr lang="en-US" sz="3200" dirty="0"/>
-              <a:t>?)</a:t>
-            </a:r>
-            <a:endParaRPr lang="en-US" sz="2400" dirty="0"/>
-          </a:p>
-        </p:txBody>
-      </p:sp>
-      <p:sp>
-        <p:nvSpPr>
-          <p:cNvPr id="4" name="投影片編號版面配置區 3">
-            <a:extLst>
-              <a:ext uri="{FF2B5EF4-FFF2-40B4-BE49-F238E27FC236}">
-                <a16:creationId xmlns:a16="http://schemas.microsoft.com/office/drawing/2014/main" id="{B1B33992-AE84-EEBB-C659-CCEC55B5EA25}"/>
-              </a:ext>
-            </a:extLst>
-          </p:cNvPr>
-          <p:cNvSpPr>
-            <a:spLocks noGrp="1"/>
-          </p:cNvSpPr>
-          <p:nvPr>
-            <p:ph type="sldNum" sz="quarter" idx="12"/>
-          </p:nvPr>
-        </p:nvSpPr>
-        <p:spPr/>
-        <p:txBody>
-          <a:bodyPr/>
-          <a:lstStyle/>
-          <a:p>
-            <a:fld id="{6C8CECFA-E868-4807-9B83-D8E05272C313}" type="slidenum">
-              <a:rPr lang="en-GB" smtClean="0"/>
-              <a:t>3</a:t>
-            </a:fld>
-            <a:endParaRPr lang="en-GB"/>
-          </a:p>
-        </p:txBody>
-      </p:sp>
-    </p:spTree>
-    <p:extLst>
-      <p:ext uri="{BB962C8B-B14F-4D97-AF65-F5344CB8AC3E}">
-        <p14:creationId xmlns:p14="http://schemas.microsoft.com/office/powerpoint/2010/main" val="806932413"/>
-      </p:ext>
-    </p:extLst>
-  </p:cSld>
-  <p:clrMapOvr>
-    <a:masterClrMapping/>
-  </p:clrMapOvr>
-</p:sld>
-</file>
-
-<file path=ppt/slides/slide30.xml><?xml version="1.0" encoding="utf-8"?>
+<file path=ppt/slides/slide32.xml><?xml version="1.0" encoding="utf-8"?>
 <p:sld xmlns:a="http://schemas.openxmlformats.org/drawingml/2006/main" xmlns:r="http://schemas.openxmlformats.org/officeDocument/2006/relationships" xmlns:p="http://schemas.openxmlformats.org/presentationml/2006/main">
   <p:cSld>
     <p:spTree>
@@ -25794,7 +26423,7 @@
           <a:p>
             <a:fld id="{6C8CECFA-E868-4807-9B83-D8E05272C313}" type="slidenum">
               <a:rPr lang="en-GB" smtClean="0"/>
-              <a:t>30</a:t>
+              <a:t>32</a:t>
             </a:fld>
             <a:endParaRPr lang="en-GB"/>
           </a:p>
@@ -25813,7 +26442,7 @@
 </p:sld>
 </file>
 
-<file path=ppt/slides/slide31.xml><?xml version="1.0" encoding="utf-8"?>
+<file path=ppt/slides/slide33.xml><?xml version="1.0" encoding="utf-8"?>
 <p:sld xmlns:a="http://schemas.openxmlformats.org/drawingml/2006/main" xmlns:r="http://schemas.openxmlformats.org/officeDocument/2006/relationships" xmlns:p="http://schemas.openxmlformats.org/presentationml/2006/main">
   <p:cSld>
     <p:bg>
@@ -25924,7 +26553,7 @@
           <a:p>
             <a:fld id="{6C8CECFA-E868-4807-9B83-D8E05272C313}" type="slidenum">
               <a:rPr lang="en-GB" smtClean="0"/>
-              <a:t>31</a:t>
+              <a:t>33</a:t>
             </a:fld>
             <a:endParaRPr lang="en-GB"/>
           </a:p>
@@ -25943,7 +26572,7 @@
 </p:sld>
 </file>
 
-<file path=ppt/slides/slide32.xml><?xml version="1.0" encoding="utf-8"?>
+<file path=ppt/slides/slide34.xml><?xml version="1.0" encoding="utf-8"?>
 <p:sld xmlns:a="http://schemas.openxmlformats.org/drawingml/2006/main" xmlns:r="http://schemas.openxmlformats.org/officeDocument/2006/relationships" xmlns:p="http://schemas.openxmlformats.org/presentationml/2006/main">
   <p:cSld>
     <p:spTree>
@@ -26085,7 +26714,7 @@
           <a:p>
             <a:fld id="{6C8CECFA-E868-4807-9B83-D8E05272C313}" type="slidenum">
               <a:rPr lang="en-GB" smtClean="0"/>
-              <a:t>32</a:t>
+              <a:t>34</a:t>
             </a:fld>
             <a:endParaRPr lang="en-GB"/>
           </a:p>
@@ -26164,7 +26793,7 @@
 </p:sld>
 </file>
 
-<file path=ppt/slides/slide33.xml><?xml version="1.0" encoding="utf-8"?>
+<file path=ppt/slides/slide35.xml><?xml version="1.0" encoding="utf-8"?>
 <p:sld xmlns:a="http://schemas.openxmlformats.org/drawingml/2006/main" xmlns:r="http://schemas.openxmlformats.org/officeDocument/2006/relationships" xmlns:p="http://schemas.openxmlformats.org/presentationml/2006/main">
   <p:cSld>
     <p:spTree>
@@ -26348,7 +26977,7 @@
           <a:p>
             <a:fld id="{6C8CECFA-E868-4807-9B83-D8E05272C313}" type="slidenum">
               <a:rPr lang="en-GB" smtClean="0"/>
-              <a:t>33</a:t>
+              <a:t>35</a:t>
             </a:fld>
             <a:endParaRPr lang="en-GB"/>
           </a:p>
@@ -26397,7 +27026,7 @@
 </p:sld>
 </file>
 
-<file path=ppt/slides/slide34.xml><?xml version="1.0" encoding="utf-8"?>
+<file path=ppt/slides/slide36.xml><?xml version="1.0" encoding="utf-8"?>
 <p:sld xmlns:a="http://schemas.openxmlformats.org/drawingml/2006/main" xmlns:r="http://schemas.openxmlformats.org/officeDocument/2006/relationships" xmlns:p="http://schemas.openxmlformats.org/presentationml/2006/main">
   <p:cSld>
     <p:spTree>
@@ -26555,7 +27184,7 @@
           <a:p>
             <a:fld id="{6C8CECFA-E868-4807-9B83-D8E05272C313}" type="slidenum">
               <a:rPr lang="en-GB" smtClean="0"/>
-              <a:t>34</a:t>
+              <a:t>36</a:t>
             </a:fld>
             <a:endParaRPr lang="en-GB"/>
           </a:p>
@@ -26604,7 +27233,7 @@
 </p:sld>
 </file>
 
-<file path=ppt/slides/slide35.xml><?xml version="1.0" encoding="utf-8"?>
+<file path=ppt/slides/slide37.xml><?xml version="1.0" encoding="utf-8"?>
 <p:sld xmlns:a="http://schemas.openxmlformats.org/drawingml/2006/main" xmlns:r="http://schemas.openxmlformats.org/officeDocument/2006/relationships" xmlns:p="http://schemas.openxmlformats.org/presentationml/2006/main">
   <p:cSld>
     <p:spTree>
@@ -26714,7 +27343,7 @@
           <a:p>
             <a:fld id="{6C8CECFA-E868-4807-9B83-D8E05272C313}" type="slidenum">
               <a:rPr lang="en-GB" smtClean="0"/>
-              <a:t>35</a:t>
+              <a:t>37</a:t>
             </a:fld>
             <a:endParaRPr lang="en-GB"/>
           </a:p>
@@ -26763,7 +27392,7 @@
 </p:sld>
 </file>
 
-<file path=ppt/slides/slide36.xml><?xml version="1.0" encoding="utf-8"?>
+<file path=ppt/slides/slide38.xml><?xml version="1.0" encoding="utf-8"?>
 <p:sld xmlns:a="http://schemas.openxmlformats.org/drawingml/2006/main" xmlns:r="http://schemas.openxmlformats.org/officeDocument/2006/relationships" xmlns:p="http://schemas.openxmlformats.org/presentationml/2006/main">
   <p:cSld>
     <p:spTree>
@@ -26906,7 +27535,7 @@
           <a:p>
             <a:fld id="{6C8CECFA-E868-4807-9B83-D8E05272C313}" type="slidenum">
               <a:rPr lang="en-GB" smtClean="0"/>
-              <a:t>36</a:t>
+              <a:t>38</a:t>
             </a:fld>
             <a:endParaRPr lang="en-GB"/>
           </a:p>
@@ -27037,7 +27666,7 @@
 </p:sld>
 </file>
 
-<file path=ppt/slides/slide37.xml><?xml version="1.0" encoding="utf-8"?>
+<file path=ppt/slides/slide39.xml><?xml version="1.0" encoding="utf-8"?>
 <p:sld xmlns:a="http://schemas.openxmlformats.org/drawingml/2006/main" xmlns:r="http://schemas.openxmlformats.org/officeDocument/2006/relationships" xmlns:p="http://schemas.openxmlformats.org/presentationml/2006/main">
   <p:cSld>
     <p:spTree>
@@ -27189,7 +27818,7 @@
           <a:p>
             <a:fld id="{6C8CECFA-E868-4807-9B83-D8E05272C313}" type="slidenum">
               <a:rPr lang="en-GB" smtClean="0"/>
-              <a:t>37</a:t>
+              <a:t>39</a:t>
             </a:fld>
             <a:endParaRPr lang="en-GB"/>
           </a:p>
@@ -27320,492 +27949,6 @@
 </p:sld>
 </file>
 
-<file path=ppt/slides/slide38.xml><?xml version="1.0" encoding="utf-8"?>
-<p:sld xmlns:a="http://schemas.openxmlformats.org/drawingml/2006/main" xmlns:r="http://schemas.openxmlformats.org/officeDocument/2006/relationships" xmlns:p="http://schemas.openxmlformats.org/presentationml/2006/main">
-  <p:cSld>
-    <p:spTree>
-      <p:nvGrpSpPr>
-        <p:cNvPr id="1" name="">
-          <a:extLst>
-            <a:ext uri="{FF2B5EF4-FFF2-40B4-BE49-F238E27FC236}">
-              <a16:creationId xmlns:a16="http://schemas.microsoft.com/office/drawing/2014/main" id="{FF0ADE15-A529-45FE-1184-36345CADAECF}"/>
-            </a:ext>
-          </a:extLst>
-        </p:cNvPr>
-        <p:cNvGrpSpPr/>
-        <p:nvPr/>
-      </p:nvGrpSpPr>
-      <p:grpSpPr>
-        <a:xfrm>
-          <a:off x="0" y="0"/>
-          <a:ext cx="0" cy="0"/>
-          <a:chOff x="0" y="0"/>
-          <a:chExt cx="0" cy="0"/>
-        </a:xfrm>
-      </p:grpSpPr>
-      <p:sp>
-        <p:nvSpPr>
-          <p:cNvPr id="2" name="Title 1">
-            <a:extLst>
-              <a:ext uri="{FF2B5EF4-FFF2-40B4-BE49-F238E27FC236}">
-                <a16:creationId xmlns:a16="http://schemas.microsoft.com/office/drawing/2014/main" id="{C7947AD2-B2B3-3B98-B336-50359A4A78D3}"/>
-              </a:ext>
-            </a:extLst>
-          </p:cNvPr>
-          <p:cNvSpPr>
-            <a:spLocks noGrp="1"/>
-          </p:cNvSpPr>
-          <p:nvPr>
-            <p:ph type="title"/>
-          </p:nvPr>
-        </p:nvSpPr>
-        <p:spPr/>
-        <p:txBody>
-          <a:bodyPr>
-            <a:normAutofit/>
-          </a:bodyPr>
-          <a:lstStyle/>
-          <a:p>
-            <a:r>
-              <a:rPr lang="en-US" sz="4000" dirty="0"/>
-              <a:t>2.5 Execute Calculations</a:t>
-            </a:r>
-            <a:endParaRPr lang="en-ID" sz="4000" dirty="0"/>
-          </a:p>
-        </p:txBody>
-      </p:sp>
-      <p:sp>
-        <p:nvSpPr>
-          <p:cNvPr id="3" name="Content Placeholder 2">
-            <a:extLst>
-              <a:ext uri="{FF2B5EF4-FFF2-40B4-BE49-F238E27FC236}">
-                <a16:creationId xmlns:a16="http://schemas.microsoft.com/office/drawing/2014/main" id="{D2BA60EB-C652-1D47-70E7-D0A996787FA0}"/>
-              </a:ext>
-            </a:extLst>
-          </p:cNvPr>
-          <p:cNvSpPr>
-            <a:spLocks noGrp="1"/>
-          </p:cNvSpPr>
-          <p:nvPr>
-            <p:ph idx="1"/>
-          </p:nvPr>
-        </p:nvSpPr>
-        <p:spPr>
-          <a:xfrm>
-            <a:off x="838200" y="1825625"/>
-            <a:ext cx="10375900" cy="4351338"/>
-          </a:xfrm>
-        </p:spPr>
-        <p:txBody>
-          <a:bodyPr/>
-          <a:lstStyle/>
-          <a:p>
-            <a:pPr algn="just"/>
-            <a:r>
-              <a:rPr lang="en-AU" dirty="0"/>
-              <a:t>Related to </a:t>
-            </a:r>
-            <a:r>
-              <a:rPr lang="en-AU" dirty="0">
-                <a:hlinkClick r:id="rId2" action="ppaction://hlinksldjump"/>
-              </a:rPr>
-              <a:t>Slide 16</a:t>
-            </a:r>
-            <a:r>
-              <a:rPr lang="en-AU" dirty="0"/>
-              <a:t>. Let’s grab the directory of .</a:t>
-            </a:r>
-            <a:r>
-              <a:rPr lang="en-AU" dirty="0" err="1"/>
-              <a:t>ComLdf</a:t>
-            </a:r>
-            <a:r>
-              <a:rPr lang="en-AU" dirty="0"/>
-              <a:t> in Python.</a:t>
-            </a:r>
-          </a:p>
-          <a:p>
-            <a:pPr algn="just"/>
-            <a:endParaRPr lang="en-AU" dirty="0"/>
-          </a:p>
-          <a:p>
-            <a:pPr algn="just"/>
-            <a:endParaRPr lang="en-AU" dirty="0"/>
-          </a:p>
-          <a:p>
-            <a:pPr algn="just"/>
-            <a:r>
-              <a:rPr lang="en-AU" dirty="0"/>
-              <a:t>Add .Execute() function to run the Load Flow </a:t>
-            </a:r>
-            <a:r>
-              <a:rPr lang="en-AU" dirty="0" err="1"/>
-              <a:t>Calculation.ComLdf</a:t>
-            </a:r>
-            <a:endParaRPr lang="en-AU" dirty="0"/>
-          </a:p>
-          <a:p>
-            <a:pPr algn="just"/>
-            <a:endParaRPr lang="en-AU" dirty="0"/>
-          </a:p>
-          <a:p>
-            <a:pPr algn="just"/>
-            <a:endParaRPr lang="en-AU" dirty="0"/>
-          </a:p>
-          <a:p>
-            <a:pPr algn="just"/>
-            <a:r>
-              <a:rPr lang="en-AU" dirty="0"/>
-              <a:t>From the return, 0 means success, 1 means error/fail to execute. This could be seen from the </a:t>
-            </a:r>
-            <a:r>
-              <a:rPr lang="en-ID" sz="2800" i="0" u="none" strike="noStrike" dirty="0">
-                <a:effectLst/>
-                <a:latin typeface="-apple-system"/>
-                <a:hlinkClick r:id="rId3" tooltip="Tutorial_Python.pdf"/>
-              </a:rPr>
-              <a:t>PythonReference_en.pdf</a:t>
-            </a:r>
-            <a:r>
-              <a:rPr lang="en-ID" sz="2800" dirty="0">
-                <a:latin typeface="-apple-system"/>
-              </a:rPr>
-              <a:t>.</a:t>
-            </a:r>
-            <a:endParaRPr lang="en-AU" dirty="0"/>
-          </a:p>
-          <a:p>
-            <a:pPr marL="0" indent="0" algn="just">
-              <a:buNone/>
-            </a:pPr>
-            <a:endParaRPr lang="en-AU" dirty="0"/>
-          </a:p>
-        </p:txBody>
-      </p:sp>
-      <p:sp>
-        <p:nvSpPr>
-          <p:cNvPr id="4" name="Slide Number Placeholder 3">
-            <a:extLst>
-              <a:ext uri="{FF2B5EF4-FFF2-40B4-BE49-F238E27FC236}">
-                <a16:creationId xmlns:a16="http://schemas.microsoft.com/office/drawing/2014/main" id="{F01CF157-B263-364E-451A-225CC27258D4}"/>
-              </a:ext>
-            </a:extLst>
-          </p:cNvPr>
-          <p:cNvSpPr>
-            <a:spLocks noGrp="1"/>
-          </p:cNvSpPr>
-          <p:nvPr>
-            <p:ph type="sldNum" sz="quarter" idx="12"/>
-          </p:nvPr>
-        </p:nvSpPr>
-        <p:spPr/>
-        <p:txBody>
-          <a:bodyPr/>
-          <a:lstStyle/>
-          <a:p>
-            <a:fld id="{6C8CECFA-E868-4807-9B83-D8E05272C313}" type="slidenum">
-              <a:rPr lang="en-GB" smtClean="0"/>
-              <a:t>38</a:t>
-            </a:fld>
-            <a:endParaRPr lang="en-GB"/>
-          </a:p>
-        </p:txBody>
-      </p:sp>
-      <mc:AlternateContent xmlns:mc="http://schemas.openxmlformats.org/markup-compatibility/2006">
-        <mc:Choice xmlns:pslz="http://schemas.microsoft.com/office/powerpoint/2016/slidezoom" Requires="pslz">
-          <p:graphicFrame>
-            <p:nvGraphicFramePr>
-              <p:cNvPr id="7" name="Slide Zoom 6">
-                <a:extLst>
-                  <a:ext uri="{FF2B5EF4-FFF2-40B4-BE49-F238E27FC236}">
-                    <a16:creationId xmlns:a16="http://schemas.microsoft.com/office/drawing/2014/main" id="{C400FD54-2A12-0FD5-C54C-D56D1D06F68A}"/>
-                  </a:ext>
-                </a:extLst>
-              </p:cNvPr>
-              <p:cNvGraphicFramePr>
-                <a:graphicFrameLocks noChangeAspect="1"/>
-              </p:cNvGraphicFramePr>
-              <p:nvPr>
-                <p:extLst>
-                  <p:ext uri="{D42A27DB-BD31-4B8C-83A1-F6EECF244321}">
-                    <p14:modId xmlns:p14="http://schemas.microsoft.com/office/powerpoint/2010/main" val="1335220278"/>
-                  </p:ext>
-                </p:extLst>
-              </p:nvPr>
-            </p:nvGraphicFramePr>
-            <p:xfrm>
-              <a:off x="10246078" y="522685"/>
-              <a:ext cx="1437922" cy="808831"/>
-            </p:xfrm>
-            <a:graphic>
-              <a:graphicData uri="http://schemas.microsoft.com/office/powerpoint/2016/slidezoom">
-                <pslz:sldZm>
-                  <pslz:sldZmObj sldId="419" cId="525658193">
-                    <pslz:zmPr id="{427C9D81-23B0-4A6E-B626-09E9EA766AF6}" returnToParent="0" transitionDur="1000">
-                      <p166:blipFill xmlns:p166="http://schemas.microsoft.com/office/powerpoint/2016/6/main">
-                        <a:blip r:embed="rId4"/>
-                        <a:stretch>
-                          <a:fillRect/>
-                        </a:stretch>
-                      </p166:blipFill>
-                      <p166:spPr xmlns:p166="http://schemas.microsoft.com/office/powerpoint/2016/6/main">
-                        <a:xfrm>
-                          <a:off x="0" y="0"/>
-                          <a:ext cx="1437922" cy="808831"/>
-                        </a:xfrm>
-                        <a:prstGeom prst="rect">
-                          <a:avLst/>
-                        </a:prstGeom>
-                        <a:ln w="3175">
-                          <a:solidFill>
-                            <a:prstClr val="ltGray"/>
-                          </a:solidFill>
-                        </a:ln>
-                      </p166:spPr>
-                    </pslz:zmPr>
-                  </pslz:sldZmObj>
-                </pslz:sldZm>
-              </a:graphicData>
-            </a:graphic>
-          </p:graphicFrame>
-        </mc:Choice>
-        <mc:Fallback>
-          <p:pic>
-            <p:nvPicPr>
-              <p:cNvPr id="7" name="Slide Zoom 6">
-                <a:extLst>
-                  <a:ext uri="{FF2B5EF4-FFF2-40B4-BE49-F238E27FC236}">
-                    <a16:creationId xmlns:a16="http://schemas.microsoft.com/office/drawing/2014/main" id="{C400FD54-2A12-0FD5-C54C-D56D1D06F68A}"/>
-                  </a:ext>
-                </a:extLst>
-              </p:cNvPr>
-              <p:cNvPicPr>
-                <a:picLocks noGrp="1" noRot="1" noChangeAspect="1" noMove="1" noResize="1" noEditPoints="1" noAdjustHandles="1" noChangeArrowheads="1" noChangeShapeType="1"/>
-              </p:cNvPicPr>
-              <p:nvPr/>
-            </p:nvPicPr>
-            <p:blipFill>
-              <a:blip r:embed="rId4"/>
-              <a:stretch>
-                <a:fillRect/>
-              </a:stretch>
-            </p:blipFill>
-            <p:spPr>
-              <a:xfrm>
-                <a:off x="10246078" y="522685"/>
-                <a:ext cx="1437922" cy="808831"/>
-              </a:xfrm>
-              <a:prstGeom prst="rect">
-                <a:avLst/>
-              </a:prstGeom>
-              <a:ln w="3175">
-                <a:solidFill>
-                  <a:prstClr val="ltGray"/>
-                </a:solidFill>
-              </a:ln>
-            </p:spPr>
-          </p:pic>
-        </mc:Fallback>
-      </mc:AlternateContent>
-      <p:pic>
-        <p:nvPicPr>
-          <p:cNvPr id="9" name="Picture 8">
-            <a:extLst>
-              <a:ext uri="{FF2B5EF4-FFF2-40B4-BE49-F238E27FC236}">
-                <a16:creationId xmlns:a16="http://schemas.microsoft.com/office/drawing/2014/main" id="{32AE4915-27A2-5AEB-2273-E2EBEC8DE465}"/>
-              </a:ext>
-            </a:extLst>
-          </p:cNvPr>
-          <p:cNvPicPr>
-            <a:picLocks noChangeAspect="1"/>
-          </p:cNvPicPr>
-          <p:nvPr/>
-        </p:nvPicPr>
-        <p:blipFill>
-          <a:blip r:embed="rId5"/>
-          <a:stretch>
-            <a:fillRect/>
-          </a:stretch>
-        </p:blipFill>
-        <p:spPr>
-          <a:xfrm>
-            <a:off x="450010" y="2284279"/>
-            <a:ext cx="11152279" cy="946636"/>
-          </a:xfrm>
-          <a:prstGeom prst="rect">
-            <a:avLst/>
-          </a:prstGeom>
-        </p:spPr>
-      </p:pic>
-      <p:pic>
-        <p:nvPicPr>
-          <p:cNvPr id="13" name="Picture 12">
-            <a:extLst>
-              <a:ext uri="{FF2B5EF4-FFF2-40B4-BE49-F238E27FC236}">
-                <a16:creationId xmlns:a16="http://schemas.microsoft.com/office/drawing/2014/main" id="{527A0B99-5116-B2F7-606F-920C29B1F7A6}"/>
-              </a:ext>
-            </a:extLst>
-          </p:cNvPr>
-          <p:cNvPicPr>
-            <a:picLocks noChangeAspect="1"/>
-          </p:cNvPicPr>
-          <p:nvPr/>
-        </p:nvPicPr>
-        <p:blipFill>
-          <a:blip r:embed="rId6"/>
-          <a:stretch>
-            <a:fillRect/>
-          </a:stretch>
-        </p:blipFill>
-        <p:spPr>
-          <a:xfrm>
-            <a:off x="450010" y="3868911"/>
-            <a:ext cx="11233990" cy="814056"/>
-          </a:xfrm>
-          <a:prstGeom prst="rect">
-            <a:avLst/>
-          </a:prstGeom>
-        </p:spPr>
-      </p:pic>
-    </p:spTree>
-    <p:extLst>
-      <p:ext uri="{BB962C8B-B14F-4D97-AF65-F5344CB8AC3E}">
-        <p14:creationId xmlns:p14="http://schemas.microsoft.com/office/powerpoint/2010/main" val="786996258"/>
-      </p:ext>
-    </p:extLst>
-  </p:cSld>
-  <p:clrMapOvr>
-    <a:masterClrMapping/>
-  </p:clrMapOvr>
-</p:sld>
-</file>
-
-<file path=ppt/slides/slide39.xml><?xml version="1.0" encoding="utf-8"?>
-<p:sld xmlns:a="http://schemas.openxmlformats.org/drawingml/2006/main" xmlns:r="http://schemas.openxmlformats.org/officeDocument/2006/relationships" xmlns:p="http://schemas.openxmlformats.org/presentationml/2006/main">
-  <p:cSld>
-    <p:bg>
-      <p:bgPr>
-        <a:pattFill prst="pct5">
-          <a:fgClr>
-            <a:schemeClr val="accent1"/>
-          </a:fgClr>
-          <a:bgClr>
-            <a:schemeClr val="bg1"/>
-          </a:bgClr>
-        </a:pattFill>
-        <a:effectLst/>
-      </p:bgPr>
-    </p:bg>
-    <p:spTree>
-      <p:nvGrpSpPr>
-        <p:cNvPr id="1" name="">
-          <a:extLst>
-            <a:ext uri="{FF2B5EF4-FFF2-40B4-BE49-F238E27FC236}">
-              <a16:creationId xmlns:a16="http://schemas.microsoft.com/office/drawing/2014/main" id="{4E0FDCEC-0420-C57E-2FBD-86E5A8C12959}"/>
-            </a:ext>
-          </a:extLst>
-        </p:cNvPr>
-        <p:cNvGrpSpPr/>
-        <p:nvPr/>
-      </p:nvGrpSpPr>
-      <p:grpSpPr>
-        <a:xfrm>
-          <a:off x="0" y="0"/>
-          <a:ext cx="0" cy="0"/>
-          <a:chOff x="0" y="0"/>
-          <a:chExt cx="0" cy="0"/>
-        </a:xfrm>
-      </p:grpSpPr>
-      <p:sp>
-        <p:nvSpPr>
-          <p:cNvPr id="3" name="內容版面配置區 2">
-            <a:extLst>
-              <a:ext uri="{FF2B5EF4-FFF2-40B4-BE49-F238E27FC236}">
-                <a16:creationId xmlns:a16="http://schemas.microsoft.com/office/drawing/2014/main" id="{79E90DA7-58F0-238D-5243-EA0FE0829667}"/>
-              </a:ext>
-            </a:extLst>
-          </p:cNvPr>
-          <p:cNvSpPr>
-            <a:spLocks noGrp="1"/>
-          </p:cNvSpPr>
-          <p:nvPr>
-            <p:ph idx="1"/>
-          </p:nvPr>
-        </p:nvSpPr>
-        <p:spPr>
-          <a:xfrm>
-            <a:off x="838200" y="2808514"/>
-            <a:ext cx="10515600" cy="3399620"/>
-          </a:xfrm>
-        </p:spPr>
-        <p:txBody>
-          <a:bodyPr>
-            <a:normAutofit/>
-          </a:bodyPr>
-          <a:lstStyle/>
-          <a:p>
-            <a:pPr marL="0" indent="0" algn="ctr">
-              <a:buNone/>
-            </a:pPr>
-            <a:r>
-              <a:rPr lang="en-US" sz="6600" dirty="0"/>
-              <a:t>Python Logic</a:t>
-            </a:r>
-          </a:p>
-          <a:p>
-            <a:pPr marL="0" indent="0" algn="ctr">
-              <a:buNone/>
-            </a:pPr>
-            <a:r>
-              <a:rPr lang="en-US" sz="3200" dirty="0"/>
-              <a:t>(Basic Python Scripting)</a:t>
-            </a:r>
-            <a:endParaRPr lang="en-US" sz="5400" dirty="0"/>
-          </a:p>
-        </p:txBody>
-      </p:sp>
-      <p:sp>
-        <p:nvSpPr>
-          <p:cNvPr id="4" name="投影片編號版面配置區 3">
-            <a:extLst>
-              <a:ext uri="{FF2B5EF4-FFF2-40B4-BE49-F238E27FC236}">
-                <a16:creationId xmlns:a16="http://schemas.microsoft.com/office/drawing/2014/main" id="{29D505ED-6741-9202-E41A-16CF89BC30FB}"/>
-              </a:ext>
-            </a:extLst>
-          </p:cNvPr>
-          <p:cNvSpPr>
-            <a:spLocks noGrp="1"/>
-          </p:cNvSpPr>
-          <p:nvPr>
-            <p:ph type="sldNum" sz="quarter" idx="12"/>
-          </p:nvPr>
-        </p:nvSpPr>
-        <p:spPr/>
-        <p:txBody>
-          <a:bodyPr/>
-          <a:lstStyle/>
-          <a:p>
-            <a:fld id="{6C8CECFA-E868-4807-9B83-D8E05272C313}" type="slidenum">
-              <a:rPr lang="en-GB" smtClean="0"/>
-              <a:t>39</a:t>
-            </a:fld>
-            <a:endParaRPr lang="en-GB"/>
-          </a:p>
-        </p:txBody>
-      </p:sp>
-    </p:spTree>
-    <p:extLst>
-      <p:ext uri="{BB962C8B-B14F-4D97-AF65-F5344CB8AC3E}">
-        <p14:creationId xmlns:p14="http://schemas.microsoft.com/office/powerpoint/2010/main" val="2456905410"/>
-      </p:ext>
-    </p:extLst>
-  </p:cSld>
-  <p:clrMapOvr>
-    <a:masterClrMapping/>
-  </p:clrMapOvr>
-</p:sld>
-</file>
-
 <file path=ppt/slides/slide4.xml><?xml version="1.0" encoding="utf-8"?>
 <p:sld xmlns:a="http://schemas.openxmlformats.org/drawingml/2006/main" xmlns:r="http://schemas.openxmlformats.org/officeDocument/2006/relationships" xmlns:p="http://schemas.openxmlformats.org/presentationml/2006/main">
   <p:cSld>
@@ -27996,6 +28139,492 @@
   <p:cSld>
     <p:spTree>
       <p:nvGrpSpPr>
+        <p:cNvPr id="1" name="">
+          <a:extLst>
+            <a:ext uri="{FF2B5EF4-FFF2-40B4-BE49-F238E27FC236}">
+              <a16:creationId xmlns:a16="http://schemas.microsoft.com/office/drawing/2014/main" id="{FF0ADE15-A529-45FE-1184-36345CADAECF}"/>
+            </a:ext>
+          </a:extLst>
+        </p:cNvPr>
+        <p:cNvGrpSpPr/>
+        <p:nvPr/>
+      </p:nvGrpSpPr>
+      <p:grpSpPr>
+        <a:xfrm>
+          <a:off x="0" y="0"/>
+          <a:ext cx="0" cy="0"/>
+          <a:chOff x="0" y="0"/>
+          <a:chExt cx="0" cy="0"/>
+        </a:xfrm>
+      </p:grpSpPr>
+      <p:sp>
+        <p:nvSpPr>
+          <p:cNvPr id="2" name="Title 1">
+            <a:extLst>
+              <a:ext uri="{FF2B5EF4-FFF2-40B4-BE49-F238E27FC236}">
+                <a16:creationId xmlns:a16="http://schemas.microsoft.com/office/drawing/2014/main" id="{C7947AD2-B2B3-3B98-B336-50359A4A78D3}"/>
+              </a:ext>
+            </a:extLst>
+          </p:cNvPr>
+          <p:cNvSpPr>
+            <a:spLocks noGrp="1"/>
+          </p:cNvSpPr>
+          <p:nvPr>
+            <p:ph type="title"/>
+          </p:nvPr>
+        </p:nvSpPr>
+        <p:spPr/>
+        <p:txBody>
+          <a:bodyPr>
+            <a:normAutofit/>
+          </a:bodyPr>
+          <a:lstStyle/>
+          <a:p>
+            <a:r>
+              <a:rPr lang="en-US" sz="4000" dirty="0"/>
+              <a:t>2.5 Execute Calculations</a:t>
+            </a:r>
+            <a:endParaRPr lang="en-ID" sz="4000" dirty="0"/>
+          </a:p>
+        </p:txBody>
+      </p:sp>
+      <p:sp>
+        <p:nvSpPr>
+          <p:cNvPr id="3" name="Content Placeholder 2">
+            <a:extLst>
+              <a:ext uri="{FF2B5EF4-FFF2-40B4-BE49-F238E27FC236}">
+                <a16:creationId xmlns:a16="http://schemas.microsoft.com/office/drawing/2014/main" id="{D2BA60EB-C652-1D47-70E7-D0A996787FA0}"/>
+              </a:ext>
+            </a:extLst>
+          </p:cNvPr>
+          <p:cNvSpPr>
+            <a:spLocks noGrp="1"/>
+          </p:cNvSpPr>
+          <p:nvPr>
+            <p:ph idx="1"/>
+          </p:nvPr>
+        </p:nvSpPr>
+        <p:spPr>
+          <a:xfrm>
+            <a:off x="838200" y="1825625"/>
+            <a:ext cx="10375900" cy="4351338"/>
+          </a:xfrm>
+        </p:spPr>
+        <p:txBody>
+          <a:bodyPr/>
+          <a:lstStyle/>
+          <a:p>
+            <a:pPr algn="just"/>
+            <a:r>
+              <a:rPr lang="en-AU" dirty="0"/>
+              <a:t>Related to </a:t>
+            </a:r>
+            <a:r>
+              <a:rPr lang="en-AU" dirty="0">
+                <a:hlinkClick r:id="rId2" action="ppaction://hlinksldjump"/>
+              </a:rPr>
+              <a:t>Slide 16</a:t>
+            </a:r>
+            <a:r>
+              <a:rPr lang="en-AU" dirty="0"/>
+              <a:t>. Let’s grab the directory of .</a:t>
+            </a:r>
+            <a:r>
+              <a:rPr lang="en-AU" dirty="0" err="1"/>
+              <a:t>ComLdf</a:t>
+            </a:r>
+            <a:r>
+              <a:rPr lang="en-AU" dirty="0"/>
+              <a:t> in Python.</a:t>
+            </a:r>
+          </a:p>
+          <a:p>
+            <a:pPr algn="just"/>
+            <a:endParaRPr lang="en-AU" dirty="0"/>
+          </a:p>
+          <a:p>
+            <a:pPr algn="just"/>
+            <a:endParaRPr lang="en-AU" dirty="0"/>
+          </a:p>
+          <a:p>
+            <a:pPr algn="just"/>
+            <a:r>
+              <a:rPr lang="en-AU" dirty="0"/>
+              <a:t>Add .Execute() function to run the Load Flow </a:t>
+            </a:r>
+            <a:r>
+              <a:rPr lang="en-AU" dirty="0" err="1"/>
+              <a:t>Calculation.ComLdf</a:t>
+            </a:r>
+            <a:endParaRPr lang="en-AU" dirty="0"/>
+          </a:p>
+          <a:p>
+            <a:pPr algn="just"/>
+            <a:endParaRPr lang="en-AU" dirty="0"/>
+          </a:p>
+          <a:p>
+            <a:pPr algn="just"/>
+            <a:endParaRPr lang="en-AU" dirty="0"/>
+          </a:p>
+          <a:p>
+            <a:pPr algn="just"/>
+            <a:r>
+              <a:rPr lang="en-AU" dirty="0"/>
+              <a:t>From the return, 0 means success, 1 means error/fail to execute. This could be seen from the </a:t>
+            </a:r>
+            <a:r>
+              <a:rPr lang="en-ID" sz="2800" i="0" u="none" strike="noStrike" dirty="0">
+                <a:effectLst/>
+                <a:latin typeface="-apple-system"/>
+                <a:hlinkClick r:id="rId3" tooltip="Tutorial_Python.pdf"/>
+              </a:rPr>
+              <a:t>PythonReference_en.pdf</a:t>
+            </a:r>
+            <a:r>
+              <a:rPr lang="en-ID" sz="2800" dirty="0">
+                <a:latin typeface="-apple-system"/>
+              </a:rPr>
+              <a:t>.</a:t>
+            </a:r>
+            <a:endParaRPr lang="en-AU" dirty="0"/>
+          </a:p>
+          <a:p>
+            <a:pPr marL="0" indent="0" algn="just">
+              <a:buNone/>
+            </a:pPr>
+            <a:endParaRPr lang="en-AU" dirty="0"/>
+          </a:p>
+        </p:txBody>
+      </p:sp>
+      <p:sp>
+        <p:nvSpPr>
+          <p:cNvPr id="4" name="Slide Number Placeholder 3">
+            <a:extLst>
+              <a:ext uri="{FF2B5EF4-FFF2-40B4-BE49-F238E27FC236}">
+                <a16:creationId xmlns:a16="http://schemas.microsoft.com/office/drawing/2014/main" id="{F01CF157-B263-364E-451A-225CC27258D4}"/>
+              </a:ext>
+            </a:extLst>
+          </p:cNvPr>
+          <p:cNvSpPr>
+            <a:spLocks noGrp="1"/>
+          </p:cNvSpPr>
+          <p:nvPr>
+            <p:ph type="sldNum" sz="quarter" idx="12"/>
+          </p:nvPr>
+        </p:nvSpPr>
+        <p:spPr/>
+        <p:txBody>
+          <a:bodyPr/>
+          <a:lstStyle/>
+          <a:p>
+            <a:fld id="{6C8CECFA-E868-4807-9B83-D8E05272C313}" type="slidenum">
+              <a:rPr lang="en-GB" smtClean="0"/>
+              <a:t>40</a:t>
+            </a:fld>
+            <a:endParaRPr lang="en-GB"/>
+          </a:p>
+        </p:txBody>
+      </p:sp>
+      <mc:AlternateContent xmlns:mc="http://schemas.openxmlformats.org/markup-compatibility/2006" xmlns:pslz="http://schemas.microsoft.com/office/powerpoint/2016/slidezoom">
+        <mc:Choice Requires="pslz">
+          <p:graphicFrame>
+            <p:nvGraphicFramePr>
+              <p:cNvPr id="7" name="Slide Zoom 6">
+                <a:extLst>
+                  <a:ext uri="{FF2B5EF4-FFF2-40B4-BE49-F238E27FC236}">
+                    <a16:creationId xmlns:a16="http://schemas.microsoft.com/office/drawing/2014/main" id="{C400FD54-2A12-0FD5-C54C-D56D1D06F68A}"/>
+                  </a:ext>
+                </a:extLst>
+              </p:cNvPr>
+              <p:cNvGraphicFramePr>
+                <a:graphicFrameLocks noChangeAspect="1"/>
+              </p:cNvGraphicFramePr>
+              <p:nvPr>
+                <p:extLst>
+                  <p:ext uri="{D42A27DB-BD31-4B8C-83A1-F6EECF244321}">
+                    <p14:modId xmlns:p14="http://schemas.microsoft.com/office/powerpoint/2010/main" val="1335220278"/>
+                  </p:ext>
+                </p:extLst>
+              </p:nvPr>
+            </p:nvGraphicFramePr>
+            <p:xfrm>
+              <a:off x="10246078" y="522685"/>
+              <a:ext cx="1437922" cy="808831"/>
+            </p:xfrm>
+            <a:graphic>
+              <a:graphicData uri="http://schemas.microsoft.com/office/powerpoint/2016/slidezoom">
+                <pslz:sldZm>
+                  <pslz:sldZmObj sldId="419" cId="525658193">
+                    <pslz:zmPr id="{427C9D81-23B0-4A6E-B626-09E9EA766AF6}" returnToParent="0" transitionDur="1000">
+                      <p166:blipFill xmlns:p166="http://schemas.microsoft.com/office/powerpoint/2016/6/main">
+                        <a:blip r:embed="rId4"/>
+                        <a:stretch>
+                          <a:fillRect/>
+                        </a:stretch>
+                      </p166:blipFill>
+                      <p166:spPr xmlns:p166="http://schemas.microsoft.com/office/powerpoint/2016/6/main">
+                        <a:xfrm>
+                          <a:off x="0" y="0"/>
+                          <a:ext cx="1437922" cy="808831"/>
+                        </a:xfrm>
+                        <a:prstGeom prst="rect">
+                          <a:avLst/>
+                        </a:prstGeom>
+                        <a:ln w="3175">
+                          <a:solidFill>
+                            <a:prstClr val="ltGray"/>
+                          </a:solidFill>
+                        </a:ln>
+                      </p166:spPr>
+                    </pslz:zmPr>
+                  </pslz:sldZmObj>
+                </pslz:sldZm>
+              </a:graphicData>
+            </a:graphic>
+          </p:graphicFrame>
+        </mc:Choice>
+        <mc:Fallback xmlns="">
+          <p:pic>
+            <p:nvPicPr>
+              <p:cNvPr id="7" name="Slide Zoom 6">
+                <a:extLst>
+                  <a:ext uri="{FF2B5EF4-FFF2-40B4-BE49-F238E27FC236}">
+                    <a16:creationId xmlns:a16="http://schemas.microsoft.com/office/drawing/2014/main" id="{C400FD54-2A12-0FD5-C54C-D56D1D06F68A}"/>
+                  </a:ext>
+                </a:extLst>
+              </p:cNvPr>
+              <p:cNvPicPr>
+                <a:picLocks noGrp="1" noRot="1" noChangeAspect="1" noMove="1" noResize="1" noEditPoints="1" noAdjustHandles="1" noChangeArrowheads="1" noChangeShapeType="1"/>
+              </p:cNvPicPr>
+              <p:nvPr/>
+            </p:nvPicPr>
+            <p:blipFill>
+              <a:blip r:embed="rId5"/>
+              <a:stretch>
+                <a:fillRect/>
+              </a:stretch>
+            </p:blipFill>
+            <p:spPr>
+              <a:xfrm>
+                <a:off x="10246078" y="522685"/>
+                <a:ext cx="1437922" cy="808831"/>
+              </a:xfrm>
+              <a:prstGeom prst="rect">
+                <a:avLst/>
+              </a:prstGeom>
+              <a:ln w="3175">
+                <a:solidFill>
+                  <a:prstClr val="ltGray"/>
+                </a:solidFill>
+              </a:ln>
+            </p:spPr>
+          </p:pic>
+        </mc:Fallback>
+      </mc:AlternateContent>
+      <p:pic>
+        <p:nvPicPr>
+          <p:cNvPr id="9" name="Picture 8">
+            <a:extLst>
+              <a:ext uri="{FF2B5EF4-FFF2-40B4-BE49-F238E27FC236}">
+                <a16:creationId xmlns:a16="http://schemas.microsoft.com/office/drawing/2014/main" id="{32AE4915-27A2-5AEB-2273-E2EBEC8DE465}"/>
+              </a:ext>
+            </a:extLst>
+          </p:cNvPr>
+          <p:cNvPicPr>
+            <a:picLocks noChangeAspect="1"/>
+          </p:cNvPicPr>
+          <p:nvPr/>
+        </p:nvPicPr>
+        <p:blipFill>
+          <a:blip r:embed="rId6"/>
+          <a:stretch>
+            <a:fillRect/>
+          </a:stretch>
+        </p:blipFill>
+        <p:spPr>
+          <a:xfrm>
+            <a:off x="450010" y="2284279"/>
+            <a:ext cx="11152279" cy="946636"/>
+          </a:xfrm>
+          <a:prstGeom prst="rect">
+            <a:avLst/>
+          </a:prstGeom>
+        </p:spPr>
+      </p:pic>
+      <p:pic>
+        <p:nvPicPr>
+          <p:cNvPr id="13" name="Picture 12">
+            <a:extLst>
+              <a:ext uri="{FF2B5EF4-FFF2-40B4-BE49-F238E27FC236}">
+                <a16:creationId xmlns:a16="http://schemas.microsoft.com/office/drawing/2014/main" id="{527A0B99-5116-B2F7-606F-920C29B1F7A6}"/>
+              </a:ext>
+            </a:extLst>
+          </p:cNvPr>
+          <p:cNvPicPr>
+            <a:picLocks noChangeAspect="1"/>
+          </p:cNvPicPr>
+          <p:nvPr/>
+        </p:nvPicPr>
+        <p:blipFill>
+          <a:blip r:embed="rId7"/>
+          <a:stretch>
+            <a:fillRect/>
+          </a:stretch>
+        </p:blipFill>
+        <p:spPr>
+          <a:xfrm>
+            <a:off x="450010" y="3868911"/>
+            <a:ext cx="11233990" cy="814056"/>
+          </a:xfrm>
+          <a:prstGeom prst="rect">
+            <a:avLst/>
+          </a:prstGeom>
+        </p:spPr>
+      </p:pic>
+    </p:spTree>
+    <p:extLst>
+      <p:ext uri="{BB962C8B-B14F-4D97-AF65-F5344CB8AC3E}">
+        <p14:creationId xmlns:p14="http://schemas.microsoft.com/office/powerpoint/2010/main" val="786996258"/>
+      </p:ext>
+    </p:extLst>
+  </p:cSld>
+  <p:clrMapOvr>
+    <a:masterClrMapping/>
+  </p:clrMapOvr>
+</p:sld>
+</file>
+
+<file path=ppt/slides/slide41.xml><?xml version="1.0" encoding="utf-8"?>
+<p:sld xmlns:a="http://schemas.openxmlformats.org/drawingml/2006/main" xmlns:r="http://schemas.openxmlformats.org/officeDocument/2006/relationships" xmlns:p="http://schemas.openxmlformats.org/presentationml/2006/main">
+  <p:cSld>
+    <p:bg>
+      <p:bgPr>
+        <a:pattFill prst="pct5">
+          <a:fgClr>
+            <a:schemeClr val="accent1"/>
+          </a:fgClr>
+          <a:bgClr>
+            <a:schemeClr val="bg1"/>
+          </a:bgClr>
+        </a:pattFill>
+        <a:effectLst/>
+      </p:bgPr>
+    </p:bg>
+    <p:spTree>
+      <p:nvGrpSpPr>
+        <p:cNvPr id="1" name="">
+          <a:extLst>
+            <a:ext uri="{FF2B5EF4-FFF2-40B4-BE49-F238E27FC236}">
+              <a16:creationId xmlns:a16="http://schemas.microsoft.com/office/drawing/2014/main" id="{4E0FDCEC-0420-C57E-2FBD-86E5A8C12959}"/>
+            </a:ext>
+          </a:extLst>
+        </p:cNvPr>
+        <p:cNvGrpSpPr/>
+        <p:nvPr/>
+      </p:nvGrpSpPr>
+      <p:grpSpPr>
+        <a:xfrm>
+          <a:off x="0" y="0"/>
+          <a:ext cx="0" cy="0"/>
+          <a:chOff x="0" y="0"/>
+          <a:chExt cx="0" cy="0"/>
+        </a:xfrm>
+      </p:grpSpPr>
+      <p:sp>
+        <p:nvSpPr>
+          <p:cNvPr id="3" name="內容版面配置區 2">
+            <a:extLst>
+              <a:ext uri="{FF2B5EF4-FFF2-40B4-BE49-F238E27FC236}">
+                <a16:creationId xmlns:a16="http://schemas.microsoft.com/office/drawing/2014/main" id="{79E90DA7-58F0-238D-5243-EA0FE0829667}"/>
+              </a:ext>
+            </a:extLst>
+          </p:cNvPr>
+          <p:cNvSpPr>
+            <a:spLocks noGrp="1"/>
+          </p:cNvSpPr>
+          <p:nvPr>
+            <p:ph idx="1"/>
+          </p:nvPr>
+        </p:nvSpPr>
+        <p:spPr>
+          <a:xfrm>
+            <a:off x="838200" y="2808514"/>
+            <a:ext cx="10515600" cy="3399620"/>
+          </a:xfrm>
+        </p:spPr>
+        <p:txBody>
+          <a:bodyPr>
+            <a:normAutofit/>
+          </a:bodyPr>
+          <a:lstStyle/>
+          <a:p>
+            <a:pPr marL="0" indent="0" algn="ctr">
+              <a:buNone/>
+            </a:pPr>
+            <a:r>
+              <a:rPr lang="en-US" sz="6600" dirty="0"/>
+              <a:t>Python Logic</a:t>
+            </a:r>
+          </a:p>
+          <a:p>
+            <a:pPr marL="0" indent="0" algn="ctr">
+              <a:buNone/>
+            </a:pPr>
+            <a:r>
+              <a:rPr lang="en-US" sz="3200" dirty="0"/>
+              <a:t>(Basic Python Scripting)</a:t>
+            </a:r>
+            <a:endParaRPr lang="en-US" sz="5400" dirty="0"/>
+          </a:p>
+        </p:txBody>
+      </p:sp>
+      <p:sp>
+        <p:nvSpPr>
+          <p:cNvPr id="4" name="投影片編號版面配置區 3">
+            <a:extLst>
+              <a:ext uri="{FF2B5EF4-FFF2-40B4-BE49-F238E27FC236}">
+                <a16:creationId xmlns:a16="http://schemas.microsoft.com/office/drawing/2014/main" id="{29D505ED-6741-9202-E41A-16CF89BC30FB}"/>
+              </a:ext>
+            </a:extLst>
+          </p:cNvPr>
+          <p:cNvSpPr>
+            <a:spLocks noGrp="1"/>
+          </p:cNvSpPr>
+          <p:nvPr>
+            <p:ph type="sldNum" sz="quarter" idx="12"/>
+          </p:nvPr>
+        </p:nvSpPr>
+        <p:spPr/>
+        <p:txBody>
+          <a:bodyPr/>
+          <a:lstStyle/>
+          <a:p>
+            <a:fld id="{6C8CECFA-E868-4807-9B83-D8E05272C313}" type="slidenum">
+              <a:rPr lang="en-GB" smtClean="0"/>
+              <a:t>41</a:t>
+            </a:fld>
+            <a:endParaRPr lang="en-GB"/>
+          </a:p>
+        </p:txBody>
+      </p:sp>
+    </p:spTree>
+    <p:extLst>
+      <p:ext uri="{BB962C8B-B14F-4D97-AF65-F5344CB8AC3E}">
+        <p14:creationId xmlns:p14="http://schemas.microsoft.com/office/powerpoint/2010/main" val="2456905410"/>
+      </p:ext>
+    </p:extLst>
+  </p:cSld>
+  <p:clrMapOvr>
+    <a:masterClrMapping/>
+  </p:clrMapOvr>
+</p:sld>
+</file>
+
+<file path=ppt/slides/slide42.xml><?xml version="1.0" encoding="utf-8"?>
+<p:sld xmlns:a="http://schemas.openxmlformats.org/drawingml/2006/main" xmlns:r="http://schemas.openxmlformats.org/officeDocument/2006/relationships" xmlns:p="http://schemas.openxmlformats.org/presentationml/2006/main">
+  <p:cSld>
+    <p:spTree>
+      <p:nvGrpSpPr>
         <p:cNvPr id="1" name=""/>
         <p:cNvGrpSpPr/>
         <p:nvPr/>
@@ -28157,7 +28786,7 @@
           <a:p>
             <a:fld id="{6C8CECFA-E868-4807-9B83-D8E05272C313}" type="slidenum">
               <a:rPr lang="en-GB" smtClean="0"/>
-              <a:t>40</a:t>
+              <a:t>42</a:t>
             </a:fld>
             <a:endParaRPr lang="en-GB"/>
           </a:p>
@@ -28176,7 +28805,7 @@
 </p:sld>
 </file>
 
-<file path=ppt/slides/slide41.xml><?xml version="1.0" encoding="utf-8"?>
+<file path=ppt/slides/slide43.xml><?xml version="1.0" encoding="utf-8"?>
 <p:sld xmlns:a="http://schemas.openxmlformats.org/drawingml/2006/main" xmlns:r="http://schemas.openxmlformats.org/officeDocument/2006/relationships" xmlns:p="http://schemas.openxmlformats.org/presentationml/2006/main">
   <p:cSld>
     <p:spTree>
@@ -28307,7 +28936,7 @@
           <a:p>
             <a:fld id="{6C8CECFA-E868-4807-9B83-D8E05272C313}" type="slidenum">
               <a:rPr lang="en-GB" smtClean="0"/>
-              <a:t>41</a:t>
+              <a:t>43</a:t>
             </a:fld>
             <a:endParaRPr lang="en-GB"/>
           </a:p>
@@ -28356,7 +28985,7 @@
 </p:sld>
 </file>
 
-<file path=ppt/slides/slide42.xml><?xml version="1.0" encoding="utf-8"?>
+<file path=ppt/slides/slide44.xml><?xml version="1.0" encoding="utf-8"?>
 <p:sld xmlns:a="http://schemas.openxmlformats.org/drawingml/2006/main" xmlns:r="http://schemas.openxmlformats.org/officeDocument/2006/relationships" xmlns:p="http://schemas.openxmlformats.org/presentationml/2006/main">
   <p:cSld>
     <p:bg>
@@ -28491,7 +29120,7 @@
           <a:p>
             <a:fld id="{6C8CECFA-E868-4807-9B83-D8E05272C313}" type="slidenum">
               <a:rPr lang="en-GB" smtClean="0"/>
-              <a:t>42</a:t>
+              <a:t>44</a:t>
             </a:fld>
             <a:endParaRPr lang="en-GB"/>
           </a:p>
@@ -28510,7 +29139,7 @@
 </p:sld>
 </file>
 
-<file path=ppt/slides/slide43.xml><?xml version="1.0" encoding="utf-8"?>
+<file path=ppt/slides/slide45.xml><?xml version="1.0" encoding="utf-8"?>
 <p:sld xmlns:a="http://schemas.openxmlformats.org/drawingml/2006/main" xmlns:r="http://schemas.openxmlformats.org/officeDocument/2006/relationships" xmlns:p="http://schemas.openxmlformats.org/presentationml/2006/main">
   <p:cSld>
     <p:spTree>
@@ -28731,7 +29360,7 @@
           <a:p>
             <a:fld id="{6C8CECFA-E868-4807-9B83-D8E05272C313}" type="slidenum">
               <a:rPr lang="en-GB" smtClean="0"/>
-              <a:t>43</a:t>
+              <a:t>45</a:t>
             </a:fld>
             <a:endParaRPr lang="en-GB"/>
           </a:p>
